--- a/7250Final.pptx
+++ b/7250Final.pptx
@@ -1,6 +1,6 @@
 
 <file path=ppt/presentation.xml><?xml version="1.0" encoding="utf-8"?>
-<p:presentation xmlns:a="http://schemas.openxmlformats.org/drawingml/2006/main" xmlns:r="http://schemas.openxmlformats.org/officeDocument/2006/relationships" xmlns:p="http://schemas.openxmlformats.org/presentationml/2006/main" autoCompressPictures="0">
+<p:presentation xmlns:a="http://schemas.openxmlformats.org/drawingml/2006/main" xmlns:r="http://schemas.openxmlformats.org/officeDocument/2006/relationships" xmlns:p="http://schemas.openxmlformats.org/presentationml/2006/main" saveSubsetFonts="1" autoCompressPictures="0">
   <p:sldMasterIdLst>
     <p:sldMasterId id="2147483648" r:id="rId1"/>
   </p:sldMasterIdLst>
@@ -14,37 +14,36 @@
     <p:sldId id="260" r:id="rId8"/>
     <p:sldId id="259" r:id="rId9"/>
     <p:sldId id="262" r:id="rId10"/>
-    <p:sldId id="263" r:id="rId11"/>
-    <p:sldId id="293" r:id="rId12"/>
-    <p:sldId id="294" r:id="rId13"/>
-    <p:sldId id="295" r:id="rId14"/>
-    <p:sldId id="296" r:id="rId15"/>
-    <p:sldId id="274" r:id="rId16"/>
-    <p:sldId id="265" r:id="rId17"/>
-    <p:sldId id="271" r:id="rId18"/>
-    <p:sldId id="264" r:id="rId19"/>
-    <p:sldId id="269" r:id="rId20"/>
-    <p:sldId id="272" r:id="rId21"/>
-    <p:sldId id="270" r:id="rId22"/>
-    <p:sldId id="292" r:id="rId23"/>
-    <p:sldId id="273" r:id="rId24"/>
-    <p:sldId id="275" r:id="rId25"/>
-    <p:sldId id="277" r:id="rId26"/>
-    <p:sldId id="284" r:id="rId27"/>
-    <p:sldId id="278" r:id="rId28"/>
-    <p:sldId id="286" r:id="rId29"/>
-    <p:sldId id="279" r:id="rId30"/>
-    <p:sldId id="282" r:id="rId31"/>
-    <p:sldId id="291" r:id="rId32"/>
-    <p:sldId id="297" r:id="rId33"/>
-    <p:sldId id="289" r:id="rId34"/>
-    <p:sldId id="299" r:id="rId35"/>
-    <p:sldId id="298" r:id="rId36"/>
-    <p:sldId id="300" r:id="rId37"/>
-    <p:sldId id="301" r:id="rId38"/>
-    <p:sldId id="302" r:id="rId39"/>
-    <p:sldId id="303" r:id="rId40"/>
-    <p:sldId id="305" r:id="rId41"/>
+    <p:sldId id="306" r:id="rId11"/>
+    <p:sldId id="307" r:id="rId12"/>
+    <p:sldId id="308" r:id="rId13"/>
+    <p:sldId id="309" r:id="rId14"/>
+    <p:sldId id="310" r:id="rId15"/>
+    <p:sldId id="265" r:id="rId16"/>
+    <p:sldId id="271" r:id="rId17"/>
+    <p:sldId id="264" r:id="rId18"/>
+    <p:sldId id="269" r:id="rId19"/>
+    <p:sldId id="272" r:id="rId20"/>
+    <p:sldId id="270" r:id="rId21"/>
+    <p:sldId id="292" r:id="rId22"/>
+    <p:sldId id="273" r:id="rId23"/>
+    <p:sldId id="275" r:id="rId24"/>
+    <p:sldId id="277" r:id="rId25"/>
+    <p:sldId id="284" r:id="rId26"/>
+    <p:sldId id="278" r:id="rId27"/>
+    <p:sldId id="286" r:id="rId28"/>
+    <p:sldId id="279" r:id="rId29"/>
+    <p:sldId id="282" r:id="rId30"/>
+    <p:sldId id="291" r:id="rId31"/>
+    <p:sldId id="297" r:id="rId32"/>
+    <p:sldId id="289" r:id="rId33"/>
+    <p:sldId id="299" r:id="rId34"/>
+    <p:sldId id="298" r:id="rId35"/>
+    <p:sldId id="300" r:id="rId36"/>
+    <p:sldId id="301" r:id="rId37"/>
+    <p:sldId id="302" r:id="rId38"/>
+    <p:sldId id="303" r:id="rId39"/>
+    <p:sldId id="305" r:id="rId40"/>
   </p:sldIdLst>
   <p:sldSz cx="12192000" cy="6858000"/>
   <p:notesSz cx="6858000" cy="9144000"/>
@@ -143,6 +142,11 @@
       </a:defRPr>
     </a:lvl9pPr>
   </p:defaultTextStyle>
+  <p:extLst>
+    <p:ext uri="{EFAFB233-063F-42B5-8137-9DF3F51BA10A}">
+      <p15:sldGuideLst xmlns:p15="http://schemas.microsoft.com/office/powerpoint/2012/main"/>
+    </p:ext>
+  </p:extLst>
 </p:presentation>
 </file>
 
@@ -241,7 +245,7 @@
           <a:effectLst/>
           <a:extLst>
             <a:ext uri="{91240B29-F687-4f45-9708-019B960494DF}">
-              <a14:hiddenLine xmlns:a14="http://schemas.microsoft.com/office/drawing/2010/main" xmlns="" w="9525">
+              <a14:hiddenLine xmlns="" xmlns:a14="http://schemas.microsoft.com/office/drawing/2010/main" w="9525">
                 <a:solidFill>
                   <a:srgbClr val="000000"/>
                 </a:solidFill>
@@ -434,7 +438,7 @@
             <a:fld id="{08B9EBBA-996F-894A-B54A-D6246ED52CEA}" type="datetimeFigureOut">
               <a:rPr lang="en-US" dirty="0"/>
               <a:pPr/>
-              <a:t>4/23/2017</a:t>
+              <a:t>4/24/17</a:t>
             </a:fld>
             <a:endParaRPr lang="en-US" dirty="0"/>
           </a:p>
@@ -749,7 +753,7 @@
             <a:fld id="{18C79C5D-2A6F-F04D-97DA-BEF2467B64E4}" type="datetimeFigureOut">
               <a:rPr lang="en-US" dirty="0"/>
               <a:pPr/>
-              <a:t>4/23/2017</a:t>
+              <a:t>4/24/17</a:t>
             </a:fld>
             <a:endParaRPr lang="en-US" dirty="0"/>
           </a:p>
@@ -1234,7 +1238,7 @@
             <a:fld id="{8DFA1846-DA80-1C48-A609-854EA85C59AD}" type="datetimeFigureOut">
               <a:rPr lang="en-US" dirty="0"/>
               <a:pPr/>
-              <a:t>4/23/2017</a:t>
+              <a:t>4/24/17</a:t>
             </a:fld>
             <a:endParaRPr lang="en-US" dirty="0"/>
           </a:p>
@@ -1600,7 +1604,7 @@
             <a:fld id="{FBF54567-0DE4-3F47-BF90-CB84690072F9}" type="datetimeFigureOut">
               <a:rPr lang="en-US" dirty="0"/>
               <a:pPr/>
-              <a:t>4/23/2017</a:t>
+              <a:t>4/24/17</a:t>
             </a:fld>
             <a:endParaRPr lang="en-US" dirty="0"/>
           </a:p>
@@ -1751,7 +1755,7 @@
           <a:ln/>
           <a:extLst>
             <a:ext uri="{91240B29-F687-4f45-9708-019B960494DF}">
-              <a14:hiddenLine xmlns:a14="http://schemas.microsoft.com/office/drawing/2010/main" xmlns="" w="9525">
+              <a14:hiddenLine xmlns="" xmlns:a14="http://schemas.microsoft.com/office/drawing/2010/main" w="9525">
                 <a:solidFill>
                   <a:srgbClr val="000000"/>
                 </a:solidFill>
@@ -1870,7 +1874,7 @@
             <a:fld id="{C6C52C72-DE31-F449-A4ED-4C594FD91407}" type="datetimeFigureOut">
               <a:rPr lang="en-US" dirty="0"/>
               <a:pPr/>
-              <a:t>4/23/2017</a:t>
+              <a:t>4/24/17</a:t>
             </a:fld>
             <a:endParaRPr lang="en-US" dirty="0"/>
           </a:p>
@@ -2023,7 +2027,7 @@
           <a:ln/>
           <a:extLst>
             <a:ext uri="{91240B29-F687-4f45-9708-019B960494DF}">
-              <a14:hiddenLine xmlns:a14="http://schemas.microsoft.com/office/drawing/2010/main" xmlns="" w="9525">
+              <a14:hiddenLine xmlns="" xmlns:a14="http://schemas.microsoft.com/office/drawing/2010/main" w="9525">
                 <a:solidFill>
                   <a:srgbClr val="000000"/>
                 </a:solidFill>
@@ -2152,7 +2156,7 @@
             <a:fld id="{ED62726E-379B-B349-9EED-81ED093FA806}" type="datetimeFigureOut">
               <a:rPr lang="en-US" dirty="0"/>
               <a:pPr/>
-              <a:t>4/23/2017</a:t>
+              <a:t>4/24/17</a:t>
             </a:fld>
             <a:endParaRPr lang="en-US" dirty="0"/>
           </a:p>
@@ -2303,7 +2307,7 @@
           <a:ln/>
           <a:extLst>
             <a:ext uri="{91240B29-F687-4f45-9708-019B960494DF}">
-              <a14:hiddenLine xmlns:a14="http://schemas.microsoft.com/office/drawing/2010/main" xmlns="" w="9525">
+              <a14:hiddenLine xmlns="" xmlns:a14="http://schemas.microsoft.com/office/drawing/2010/main" w="9525">
                 <a:solidFill>
                   <a:srgbClr val="000000"/>
                 </a:solidFill>
@@ -2432,7 +2436,7 @@
             <a:fld id="{9B3A1323-8D79-1946-B0D7-40001CF92E9D}" type="datetimeFigureOut">
               <a:rPr lang="en-US" dirty="0"/>
               <a:pPr/>
-              <a:t>4/23/2017</a:t>
+              <a:t>4/24/17</a:t>
             </a:fld>
             <a:endParaRPr lang="en-US" dirty="0"/>
           </a:p>
@@ -2772,7 +2776,7 @@
             <a:fld id="{8DFA1846-DA80-1C48-A609-854EA85C59AD}" type="datetimeFigureOut">
               <a:rPr lang="en-US" dirty="0"/>
               <a:pPr/>
-              <a:t>4/23/2017</a:t>
+              <a:t>4/24/17</a:t>
             </a:fld>
             <a:endParaRPr lang="en-US" dirty="0"/>
           </a:p>
@@ -2923,7 +2927,7 @@
           <a:ln/>
           <a:extLst>
             <a:ext uri="{91240B29-F687-4f45-9708-019B960494DF}">
-              <a14:hiddenLine xmlns:a14="http://schemas.microsoft.com/office/drawing/2010/main" xmlns="" w="9525">
+              <a14:hiddenLine xmlns="" xmlns:a14="http://schemas.microsoft.com/office/drawing/2010/main" w="9525">
                 <a:solidFill>
                   <a:srgbClr val="000000"/>
                 </a:solidFill>
@@ -3108,7 +3112,7 @@
             <a:fld id="{57302355-E14B-8545-A8F8-0FE83CC9D524}" type="datetimeFigureOut">
               <a:rPr lang="en-US" dirty="0"/>
               <a:pPr/>
-              <a:t>4/23/2017</a:t>
+              <a:t>4/24/17</a:t>
             </a:fld>
             <a:endParaRPr lang="en-US" dirty="0"/>
           </a:p>
@@ -3259,7 +3263,7 @@
           <a:ln/>
           <a:extLst>
             <a:ext uri="{91240B29-F687-4f45-9708-019B960494DF}">
-              <a14:hiddenLine xmlns:a14="http://schemas.microsoft.com/office/drawing/2010/main" xmlns="" w="9525">
+              <a14:hiddenLine xmlns="" xmlns:a14="http://schemas.microsoft.com/office/drawing/2010/main" w="9525">
                 <a:solidFill>
                   <a:srgbClr val="000000"/>
                 </a:solidFill>
@@ -3582,7 +3586,7 @@
             <a:fld id="{02640F58-564D-2B4F-AE67-E407BA4FCF45}" type="datetimeFigureOut">
               <a:rPr lang="en-US" dirty="0"/>
               <a:pPr/>
-              <a:t>4/23/2017</a:t>
+              <a:t>4/24/17</a:t>
             </a:fld>
             <a:endParaRPr lang="en-US" dirty="0"/>
           </a:p>
@@ -3733,7 +3737,7 @@
           <a:ln/>
           <a:extLst>
             <a:ext uri="{91240B29-F687-4f45-9708-019B960494DF}">
-              <a14:hiddenLine xmlns:a14="http://schemas.microsoft.com/office/drawing/2010/main" xmlns="" w="9525">
+              <a14:hiddenLine xmlns="" xmlns:a14="http://schemas.microsoft.com/office/drawing/2010/main" w="9525">
                 <a:solidFill>
                   <a:srgbClr val="000000"/>
                 </a:solidFill>
@@ -3800,7 +3804,7 @@
             <a:fld id="{F13A34C8-038E-2045-AF43-DF7DBB8E0E9E}" type="datetimeFigureOut">
               <a:rPr lang="en-US" dirty="0"/>
               <a:pPr/>
-              <a:t>4/23/2017</a:t>
+              <a:t>4/24/17</a:t>
             </a:fld>
             <a:endParaRPr lang="en-US" dirty="0"/>
           </a:p>
@@ -3892,7 +3896,7 @@
             <a:fld id="{8818C68F-D26B-8F47-958C-23B49CF8A634}" type="datetimeFigureOut">
               <a:rPr lang="en-US" dirty="0"/>
               <a:pPr/>
-              <a:t>4/23/2017</a:t>
+              <a:t>4/24/17</a:t>
             </a:fld>
             <a:endParaRPr lang="en-US" dirty="0"/>
           </a:p>
@@ -4156,7 +4160,7 @@
           <a:ln/>
           <a:extLst>
             <a:ext uri="{91240B29-F687-4f45-9708-019B960494DF}">
-              <a14:hiddenLine xmlns:a14="http://schemas.microsoft.com/office/drawing/2010/main" xmlns="" w="9525">
+              <a14:hiddenLine xmlns="" xmlns:a14="http://schemas.microsoft.com/office/drawing/2010/main" w="9525">
                 <a:solidFill>
                   <a:srgbClr val="000000"/>
                 </a:solidFill>
@@ -4356,7 +4360,7 @@
             <a:fld id="{D0DF5E60-9974-AC48-9591-99C2BB44B7CF}" type="datetimeFigureOut">
               <a:rPr lang="en-US" dirty="0"/>
               <a:pPr/>
-              <a:t>4/23/2017</a:t>
+              <a:t>4/24/17</a:t>
             </a:fld>
             <a:endParaRPr lang="en-US" dirty="0"/>
           </a:p>
@@ -4666,7 +4670,7 @@
             <a:fld id="{18C79C5D-2A6F-F04D-97DA-BEF2467B64E4}" type="datetimeFigureOut">
               <a:rPr lang="en-US" dirty="0"/>
               <a:pPr/>
-              <a:t>4/23/2017</a:t>
+              <a:t>4/24/17</a:t>
             </a:fld>
             <a:endParaRPr lang="en-US" dirty="0"/>
           </a:p>
@@ -4933,7 +4937,7 @@
             <a:fld id="{09B482E8-6E0E-1B4F-B1FD-C69DB9E858D9}" type="datetimeFigureOut">
               <a:rPr lang="en-US" dirty="0"/>
               <a:pPr/>
-              <a:t>4/23/2017</a:t>
+              <a:t>4/24/17</a:t>
             </a:fld>
             <a:endParaRPr lang="en-US" dirty="0"/>
           </a:p>
@@ -5463,7 +5467,7 @@
       </p:grpSpPr>
       <p:sp>
         <p:nvSpPr>
-          <p:cNvPr id="2" name="Title 1"/>
+          <p:cNvPr id="4" name="Title 3"/>
           <p:cNvSpPr>
             <a:spLocks noGrp="1"/>
           </p:cNvSpPr>
@@ -5477,137 +5481,96 @@
           <a:lstStyle/>
           <a:p>
             <a:r>
-              <a:rPr lang="en-US" altLang="zh-CN" dirty="0"/>
-              <a:t>How to address t</a:t>
-            </a:r>
-            <a:r>
               <a:rPr lang="en-US" dirty="0"/>
-              <a:t>he challenges in Dataset</a:t>
-            </a:r>
-          </a:p>
-        </p:txBody>
-      </p:sp>
-      <p:sp>
-        <p:nvSpPr>
-          <p:cNvPr id="4" name="Text Placeholder 3"/>
-          <p:cNvSpPr>
-            <a:spLocks noGrp="1"/>
-          </p:cNvSpPr>
-          <p:nvPr>
-            <p:ph type="body" idx="1"/>
-          </p:nvPr>
-        </p:nvSpPr>
-        <p:spPr/>
-        <p:txBody>
-          <a:bodyPr/>
-          <a:lstStyle/>
-          <a:p>
-            <a:r>
-              <a:rPr lang="en-US" sz="2800" dirty="0"/>
-              <a:t>Problem</a:t>
-            </a:r>
-          </a:p>
-        </p:txBody>
-      </p:sp>
-      <p:sp>
-        <p:nvSpPr>
-          <p:cNvPr id="3" name="Content Placeholder 2"/>
-          <p:cNvSpPr>
-            <a:spLocks noGrp="1"/>
-          </p:cNvSpPr>
-          <p:nvPr>
-            <p:ph sz="half" idx="2"/>
-          </p:nvPr>
-        </p:nvSpPr>
-        <p:spPr/>
-        <p:txBody>
-          <a:bodyPr>
-            <a:normAutofit/>
-          </a:bodyPr>
-          <a:lstStyle/>
-          <a:p>
-            <a:r>
+              <a:t>Step1: Collect train data and label data</a:t>
+            </a:r>
+            <a:br>
               <a:rPr lang="en-US" dirty="0"/>
-              <a:t>Lots of missing values.</a:t>
-            </a:r>
-          </a:p>
-          <a:p>
-            <a:pPr lvl="0"/>
+            </a:br>
             <a:r>
               <a:rPr lang="en-US" dirty="0"/>
-              <a:t>Heterogeneous data (numerical and categorical variables). </a:t>
-            </a:r>
-          </a:p>
-          <a:p>
-            <a:pPr lvl="0"/>
-            <a:r>
-              <a:rPr lang="en-US" dirty="0"/>
-              <a:t>Noisy data</a:t>
-            </a:r>
-          </a:p>
-          <a:p>
-            <a:pPr lvl="0"/>
-            <a:r>
-              <a:rPr lang="en-US" dirty="0"/>
-              <a:t>Unbalanced distributions of predictive variables, sparse target values (only 1 to 7 percent of the examples belong to the positive class)</a:t>
-            </a:r>
-          </a:p>
-          <a:p>
-            <a:endParaRPr lang="en-US" dirty="0"/>
-          </a:p>
-        </p:txBody>
-      </p:sp>
-      <p:sp>
-        <p:nvSpPr>
-          <p:cNvPr id="5" name="Text Placeholder 4"/>
-          <p:cNvSpPr>
-            <a:spLocks noGrp="1"/>
-          </p:cNvSpPr>
-          <p:nvPr>
-            <p:ph type="body" sz="quarter" idx="3"/>
-          </p:nvPr>
-        </p:nvSpPr>
-        <p:spPr/>
-        <p:txBody>
-          <a:bodyPr/>
-          <a:lstStyle/>
-          <a:p>
-            <a:r>
-              <a:rPr lang="en-US" sz="2800" dirty="0"/>
-              <a:t>Solution</a:t>
-            </a:r>
-          </a:p>
-        </p:txBody>
-      </p:sp>
-      <p:sp>
-        <p:nvSpPr>
+              <a:t>Technique: Spark, Python</a:t>
+            </a:r>
+          </a:p>
+        </p:txBody>
+      </p:sp>
+      <p:pic>
+        <p:nvPicPr>
           <p:cNvPr id="6" name="Content Placeholder 5"/>
-          <p:cNvSpPr>
-            <a:spLocks noGrp="1"/>
-          </p:cNvSpPr>
-          <p:nvPr>
-            <p:ph sz="quarter" idx="4"/>
-          </p:nvPr>
-        </p:nvSpPr>
-        <p:spPr/>
-        <p:txBody>
-          <a:bodyPr/>
-          <a:lstStyle/>
-          <a:p>
-            <a:endParaRPr lang="en-US" dirty="0"/>
-          </a:p>
-        </p:txBody>
-      </p:sp>
+          <p:cNvPicPr>
+            <a:picLocks noGrp="1"/>
+          </p:cNvPicPr>
+          <p:nvPr>
+            <p:ph idx="1"/>
+          </p:nvPr>
+        </p:nvPicPr>
+        <p:blipFill rotWithShape="1">
+          <a:blip r:embed="rId2" cstate="print">
+            <a:extLst>
+              <a:ext uri="{28A0092B-C50C-407E-A947-70E740481C1C}">
+                <a14:useLocalDpi xmlns:a14="http://schemas.microsoft.com/office/drawing/2010/main" val="0"/>
+              </a:ext>
+            </a:extLst>
+          </a:blip>
+          <a:srcRect r="25116"/>
+          <a:stretch/>
+        </p:blipFill>
+        <p:spPr>
+          <a:xfrm>
+            <a:off x="5398851" y="2412458"/>
+            <a:ext cx="6303523" cy="3125536"/>
+          </a:xfrm>
+          <a:prstGeom prst="rect">
+            <a:avLst/>
+          </a:prstGeom>
+        </p:spPr>
+      </p:pic>
+      <p:pic>
+        <p:nvPicPr>
+          <p:cNvPr id="2" name="Picture 1"/>
+          <p:cNvPicPr>
+            <a:picLocks noChangeAspect="1"/>
+          </p:cNvPicPr>
+          <p:nvPr/>
+        </p:nvPicPr>
+        <p:blipFill rotWithShape="1">
+          <a:blip r:embed="rId3">
+            <a:extLst>
+              <a:ext uri="{28A0092B-C50C-407E-A947-70E740481C1C}">
+                <a14:useLocalDpi xmlns:a14="http://schemas.microsoft.com/office/drawing/2010/main" val="0"/>
+              </a:ext>
+            </a:extLst>
+          </a:blip>
+          <a:srcRect l="1821" t="2080" r="3560" b="3416"/>
+          <a:stretch/>
+        </p:blipFill>
+        <p:spPr>
+          <a:xfrm>
+            <a:off x="321011" y="2429920"/>
+            <a:ext cx="4727643" cy="3108074"/>
+          </a:xfrm>
+          <a:prstGeom prst="rect">
+            <a:avLst/>
+          </a:prstGeom>
+        </p:spPr>
+      </p:pic>
     </p:spTree>
     <p:extLst>
       <p:ext uri="{BB962C8B-B14F-4D97-AF65-F5344CB8AC3E}">
-        <p14:creationId xmlns:p14="http://schemas.microsoft.com/office/powerpoint/2010/main" val="3999967927"/>
+        <p14:creationId xmlns:p14="http://schemas.microsoft.com/office/powerpoint/2010/main" val="1663321608"/>
       </p:ext>
     </p:extLst>
   </p:cSld>
   <p:clrMapOvr>
     <a:masterClrMapping/>
   </p:clrMapOvr>
+  <p:timing>
+    <p:tnLst>
+      <p:par>
+        <p:cTn id="1" dur="indefinite" restart="never" nodeType="tmRoot"/>
+      </p:par>
+    </p:tnLst>
+  </p:timing>
 </p:sld>
 </file>
 
@@ -5630,7 +5593,7 @@
       </p:grpSpPr>
       <p:sp>
         <p:nvSpPr>
-          <p:cNvPr id="4" name="Title 3"/>
+          <p:cNvPr id="2" name="Title 1"/>
           <p:cNvSpPr>
             <a:spLocks noGrp="1"/>
           </p:cNvSpPr>
@@ -5645,45 +5608,89 @@
           <a:p>
             <a:r>
               <a:rPr lang="en-US" dirty="0"/>
-              <a:t>Step1: Collect train data and label data</a:t>
+              <a:t>Step2: Processing Missing Data</a:t>
             </a:r>
             <a:br>
               <a:rPr lang="en-US" dirty="0"/>
             </a:br>
             <a:r>
               <a:rPr lang="en-US" dirty="0"/>
-              <a:t>Technique: Spark, Python</a:t>
-            </a:r>
+              <a:t>Technique: Panda</a:t>
+            </a:r>
+          </a:p>
+        </p:txBody>
+      </p:sp>
+      <p:sp>
+        <p:nvSpPr>
+          <p:cNvPr id="3" name="Content Placeholder 2"/>
+          <p:cNvSpPr>
+            <a:spLocks noGrp="1"/>
+          </p:cNvSpPr>
+          <p:nvPr>
+            <p:ph sz="half" idx="1"/>
+          </p:nvPr>
+        </p:nvSpPr>
+        <p:spPr/>
+        <p:txBody>
+          <a:bodyPr/>
+          <a:lstStyle/>
+          <a:p>
+            <a:r>
+              <a:rPr lang="en-US" b="1" dirty="0"/>
+              <a:t>Dealing with String Empty Data</a:t>
+            </a:r>
+            <a:endParaRPr lang="en-US" dirty="0"/>
+          </a:p>
+          <a:p>
+            <a:r>
+              <a:rPr lang="en-US" b="1" dirty="0"/>
+              <a:t>Dealing with Numerical Missing Data</a:t>
+            </a:r>
+          </a:p>
+          <a:p>
+            <a:r>
+              <a:rPr lang="en-US" b="1" dirty="0"/>
+              <a:t>Encoding categorical data</a:t>
+            </a:r>
+          </a:p>
+          <a:p>
+            <a:r>
+              <a:rPr lang="en-US" b="1" dirty="0"/>
+              <a:t>Combine the numerical data and categorical data.</a:t>
+            </a:r>
+          </a:p>
+          <a:p>
+            <a:r>
+              <a:rPr lang="en-US" b="1" dirty="0"/>
+              <a:t>Label Encoding</a:t>
+            </a:r>
+            <a:endParaRPr lang="en-US" dirty="0"/>
+          </a:p>
+          <a:p>
             <a:endParaRPr lang="en-US" dirty="0"/>
           </a:p>
         </p:txBody>
       </p:sp>
       <p:pic>
         <p:nvPicPr>
-          <p:cNvPr id="6" name="Content Placeholder 5"/>
+          <p:cNvPr id="5" name="Content Placeholder 4"/>
           <p:cNvPicPr>
-            <a:picLocks noGrp="1"/>
+            <a:picLocks noGrp="1" noChangeAspect="1"/>
           </p:cNvPicPr>
           <p:nvPr>
-            <p:ph idx="1"/>
+            <p:ph sz="half" idx="2"/>
           </p:nvPr>
         </p:nvPicPr>
         <p:blipFill>
-          <a:blip r:embed="rId2" cstate="print">
-            <a:extLst>
-              <a:ext uri="{28A0092B-C50C-407E-A947-70E740481C1C}">
-                <a14:useLocalDpi xmlns:a14="http://schemas.microsoft.com/office/drawing/2010/main" val="0"/>
-              </a:ext>
-            </a:extLst>
-          </a:blip>
+          <a:blip r:embed="rId2"/>
           <a:stretch>
             <a:fillRect/>
           </a:stretch>
         </p:blipFill>
         <p:spPr>
           <a:xfrm>
-            <a:off x="819150" y="2273315"/>
-            <a:ext cx="10553700" cy="3535332"/>
+            <a:off x="6188075" y="2257067"/>
+            <a:ext cx="5194300" cy="3569416"/>
           </a:xfrm>
           <a:prstGeom prst="rect">
             <a:avLst/>
@@ -5693,13 +5700,20 @@
     </p:spTree>
     <p:extLst>
       <p:ext uri="{BB962C8B-B14F-4D97-AF65-F5344CB8AC3E}">
-        <p14:creationId xmlns:p14="http://schemas.microsoft.com/office/powerpoint/2010/main" val="2428913837"/>
+        <p14:creationId xmlns:p14="http://schemas.microsoft.com/office/powerpoint/2010/main" val="1651632657"/>
       </p:ext>
     </p:extLst>
   </p:cSld>
   <p:clrMapOvr>
     <a:masterClrMapping/>
   </p:clrMapOvr>
+  <p:timing>
+    <p:tnLst>
+      <p:par>
+        <p:cTn id="1" dur="indefinite" restart="never" nodeType="tmRoot"/>
+      </p:par>
+    </p:tnLst>
+  </p:timing>
 </p:sld>
 </file>
 
@@ -5737,106 +5751,114 @@
           <a:p>
             <a:r>
               <a:rPr lang="en-US" dirty="0"/>
-              <a:t>Step2: Processing Missing Data</a:t>
-            </a:r>
-            <a:br>
-              <a:rPr lang="en-US" dirty="0"/>
-            </a:br>
-            <a:r>
-              <a:rPr lang="en-US" dirty="0"/>
-              <a:t>Technique: Panda</a:t>
-            </a:r>
-            <a:endParaRPr lang="en-US" dirty="0"/>
-          </a:p>
-        </p:txBody>
-      </p:sp>
-      <p:sp>
-        <p:nvSpPr>
-          <p:cNvPr id="3" name="Content Placeholder 2"/>
-          <p:cNvSpPr>
-            <a:spLocks noGrp="1"/>
-          </p:cNvSpPr>
-          <p:nvPr>
-            <p:ph sz="half" idx="1"/>
-          </p:nvPr>
-        </p:nvSpPr>
-        <p:spPr/>
-        <p:txBody>
-          <a:bodyPr/>
-          <a:lstStyle/>
-          <a:p>
-            <a:r>
-              <a:rPr lang="en-US" b="1" dirty="0"/>
-              <a:t>Dealing with String Empty Data</a:t>
-            </a:r>
-            <a:endParaRPr lang="en-US" dirty="0"/>
-          </a:p>
-          <a:p>
-            <a:r>
-              <a:rPr lang="en-US" b="1" dirty="0"/>
-              <a:t>Dealing with Numerical Missing Data</a:t>
-            </a:r>
-          </a:p>
-          <a:p>
-            <a:r>
-              <a:rPr lang="en-US" b="1" dirty="0"/>
-              <a:t>Encoding categorical data</a:t>
-            </a:r>
-          </a:p>
-          <a:p>
-            <a:r>
-              <a:rPr lang="en-US" b="1" dirty="0"/>
-              <a:t>Combine the numerical data and categorical data.</a:t>
-            </a:r>
-          </a:p>
-          <a:p>
-            <a:r>
-              <a:rPr lang="en-US" b="1" dirty="0"/>
-              <a:t>Label Encoding</a:t>
-            </a:r>
-            <a:endParaRPr lang="en-US" dirty="0"/>
-          </a:p>
-          <a:p>
-            <a:endParaRPr lang="en-US" dirty="0"/>
+              <a:t>Step3: Feature Scaling</a:t>
+            </a:r>
           </a:p>
         </p:txBody>
       </p:sp>
       <p:pic>
         <p:nvPicPr>
-          <p:cNvPr id="5" name="Content Placeholder 4"/>
-          <p:cNvPicPr>
-            <a:picLocks noGrp="1" noChangeAspect="1"/>
-          </p:cNvPicPr>
-          <p:nvPr>
-            <p:ph sz="half" idx="2"/>
-          </p:nvPr>
+          <p:cNvPr id="4" name="Picture 3"/>
+          <p:cNvPicPr/>
+          <p:nvPr/>
         </p:nvPicPr>
         <p:blipFill>
-          <a:blip r:embed="rId2"/>
+          <a:blip r:embed="rId2" cstate="print">
+            <a:extLst>
+              <a:ext uri="{28A0092B-C50C-407E-A947-70E740481C1C}">
+                <a14:useLocalDpi xmlns:a14="http://schemas.microsoft.com/office/drawing/2010/main" val="0"/>
+              </a:ext>
+            </a:extLst>
+          </a:blip>
           <a:stretch>
             <a:fillRect/>
           </a:stretch>
         </p:blipFill>
         <p:spPr>
           <a:xfrm>
-            <a:off x="6188075" y="2257067"/>
-            <a:ext cx="5194300" cy="3569416"/>
+            <a:off x="5252935" y="3054484"/>
+            <a:ext cx="6624537" cy="2266545"/>
           </a:xfrm>
           <a:prstGeom prst="rect">
             <a:avLst/>
           </a:prstGeom>
         </p:spPr>
       </p:pic>
+      <p:sp>
+        <p:nvSpPr>
+          <p:cNvPr id="6" name="Content Placeholder 2"/>
+          <p:cNvSpPr>
+            <a:spLocks noGrp="1"/>
+          </p:cNvSpPr>
+          <p:nvPr>
+            <p:ph sz="half" idx="1"/>
+          </p:nvPr>
+        </p:nvSpPr>
+        <p:spPr>
+          <a:xfrm>
+            <a:off x="514533" y="2321544"/>
+            <a:ext cx="4388207" cy="3291316"/>
+          </a:xfrm>
+        </p:spPr>
+        <p:txBody>
+          <a:bodyPr/>
+          <a:lstStyle/>
+          <a:p>
+            <a:r>
+              <a:rPr lang="en-US" dirty="0" smtClean="0"/>
+              <a:t>Makes </a:t>
+            </a:r>
+            <a:r>
+              <a:rPr lang="en-US" dirty="0"/>
+              <a:t>sense to standardize the data using </a:t>
+            </a:r>
+            <a:r>
+              <a:rPr lang="en-US" b="1" dirty="0" err="1"/>
+              <a:t>StandardScaler</a:t>
+            </a:r>
+            <a:r>
+              <a:rPr lang="en-US" b="1" dirty="0"/>
+              <a:t>( )</a:t>
+            </a:r>
+            <a:r>
+              <a:rPr lang="en-US" dirty="0"/>
+              <a:t> </a:t>
+            </a:r>
+            <a:r>
+              <a:rPr lang="en-US" dirty="0" smtClean="0"/>
+              <a:t>function</a:t>
+            </a:r>
+          </a:p>
+          <a:p>
+            <a:r>
+              <a:rPr lang="en-US" dirty="0" smtClean="0"/>
+              <a:t>A </a:t>
+            </a:r>
+            <a:r>
+              <a:rPr lang="en-US" dirty="0"/>
+              <a:t>requirement for the optimal performance of many machine learning algorithms</a:t>
+            </a:r>
+            <a:endParaRPr lang="en-US" dirty="0"/>
+          </a:p>
+        </p:txBody>
+      </p:sp>
     </p:spTree>
     <p:extLst>
       <p:ext uri="{BB962C8B-B14F-4D97-AF65-F5344CB8AC3E}">
-        <p14:creationId xmlns:p14="http://schemas.microsoft.com/office/powerpoint/2010/main" val="2566774547"/>
+        <p14:creationId xmlns:p14="http://schemas.microsoft.com/office/powerpoint/2010/main" val="616445077"/>
       </p:ext>
     </p:extLst>
   </p:cSld>
   <p:clrMapOvr>
     <a:masterClrMapping/>
   </p:clrMapOvr>
+  <p:timing>
+    <p:tnLst>
+      <p:par>
+        <p:cTn id="1" dur="indefinite" restart="never" nodeType="tmRoot"/>
+      </p:par>
+    </p:tnLst>
+  </p:timing>
 </p:sld>
 </file>
 
@@ -5874,39 +5896,174 @@
           <a:p>
             <a:r>
               <a:rPr lang="en-US" dirty="0"/>
-              <a:t>Step3: Feature Scaling</a:t>
-            </a:r>
-            <a:endParaRPr lang="en-US" dirty="0"/>
-          </a:p>
-        </p:txBody>
-      </p:sp>
-      <p:sp>
-        <p:nvSpPr>
-          <p:cNvPr id="3" name="Content Placeholder 2"/>
-          <p:cNvSpPr>
-            <a:spLocks noGrp="1"/>
-          </p:cNvSpPr>
-          <p:nvPr>
-            <p:ph idx="1"/>
-          </p:nvPr>
-        </p:nvSpPr>
-        <p:spPr/>
-        <p:txBody>
-          <a:bodyPr/>
-          <a:lstStyle/>
-          <a:p>
-            <a:endParaRPr lang="en-US"/>
+              <a:t>Step4: PCA</a:t>
+            </a:r>
           </a:p>
         </p:txBody>
       </p:sp>
       <p:pic>
         <p:nvPicPr>
-          <p:cNvPr id="4" name="Picture 3"/>
-          <p:cNvPicPr/>
+          <p:cNvPr id="12" name="Content Placeholder 11"/>
+          <p:cNvPicPr>
+            <a:picLocks noGrp="1" noChangeAspect="1"/>
+          </p:cNvPicPr>
+          <p:nvPr>
+            <p:ph sz="quarter" idx="4"/>
+          </p:nvPr>
+        </p:nvPicPr>
+        <p:blipFill>
+          <a:blip r:embed="rId2"/>
+          <a:stretch>
+            <a:fillRect/>
+          </a:stretch>
+        </p:blipFill>
+        <p:spPr>
+          <a:xfrm>
+            <a:off x="8443608" y="2655652"/>
+            <a:ext cx="3493734" cy="2927216"/>
+          </a:xfrm>
+          <a:prstGeom prst="rect">
+            <a:avLst/>
+          </a:prstGeom>
+        </p:spPr>
+      </p:pic>
+      <p:sp>
+        <p:nvSpPr>
+          <p:cNvPr id="3" name="Content Placeholder 2"/>
+          <p:cNvSpPr>
+            <a:spLocks noGrp="1"/>
+          </p:cNvSpPr>
+          <p:nvPr>
+            <p:ph sz="half" idx="2"/>
+          </p:nvPr>
+        </p:nvSpPr>
+        <p:spPr>
+          <a:xfrm>
+            <a:off x="595991" y="2797336"/>
+            <a:ext cx="3314527" cy="2933076"/>
+          </a:xfrm>
+        </p:spPr>
+        <p:txBody>
+          <a:bodyPr/>
+          <a:lstStyle/>
+          <a:p>
+            <a:r>
+              <a:rPr lang="en-US" altLang="zh-CN" b="1" dirty="0" smtClean="0"/>
+              <a:t>Computing</a:t>
+            </a:r>
+            <a:r>
+              <a:rPr lang="zh-CN" altLang="en-US" b="1" dirty="0" smtClean="0"/>
+              <a:t> </a:t>
+            </a:r>
+            <a:r>
+              <a:rPr lang="en-US" altLang="zh-CN" b="1" dirty="0" smtClean="0"/>
+              <a:t>Eigenvectors</a:t>
+            </a:r>
+            <a:r>
+              <a:rPr lang="zh-CN" altLang="en-US" b="1" dirty="0" smtClean="0"/>
+              <a:t> </a:t>
+            </a:r>
+            <a:r>
+              <a:rPr lang="en-US" altLang="zh-CN" b="1" dirty="0" smtClean="0"/>
+              <a:t>and</a:t>
+            </a:r>
+            <a:r>
+              <a:rPr lang="zh-CN" altLang="en-US" b="1" dirty="0" smtClean="0"/>
+              <a:t> </a:t>
+            </a:r>
+            <a:r>
+              <a:rPr lang="en-US" altLang="zh-CN" b="1" dirty="0" smtClean="0"/>
+              <a:t>Eigen</a:t>
+            </a:r>
+            <a:r>
+              <a:rPr lang="zh-CN" altLang="en-US" b="1" dirty="0" smtClean="0"/>
+              <a:t> </a:t>
+            </a:r>
+            <a:r>
+              <a:rPr lang="en-US" altLang="zh-CN" b="1" dirty="0" smtClean="0"/>
+              <a:t>values</a:t>
+            </a:r>
+          </a:p>
+          <a:p>
+            <a:r>
+              <a:rPr lang="en-US" altLang="zh-CN" b="1" dirty="0" smtClean="0"/>
+              <a:t>Selecting</a:t>
+            </a:r>
+            <a:r>
+              <a:rPr lang="zh-CN" altLang="en-US" b="1" dirty="0" smtClean="0"/>
+              <a:t> </a:t>
+            </a:r>
+            <a:r>
+              <a:rPr lang="en-US" altLang="zh-CN" b="1" dirty="0" smtClean="0"/>
+              <a:t>Principal</a:t>
+            </a:r>
+            <a:r>
+              <a:rPr lang="zh-CN" altLang="en-US" b="1" dirty="0" smtClean="0"/>
+              <a:t> </a:t>
+            </a:r>
+            <a:r>
+              <a:rPr lang="en-US" altLang="zh-CN" b="1" dirty="0" smtClean="0"/>
+              <a:t>Components</a:t>
+            </a:r>
+          </a:p>
+          <a:p>
+            <a:r>
+              <a:rPr lang="en-US" altLang="zh-CN" b="1" dirty="0" smtClean="0"/>
+              <a:t>Projection</a:t>
+            </a:r>
+            <a:r>
+              <a:rPr lang="zh-CN" altLang="en-US" b="1" dirty="0" smtClean="0"/>
+              <a:t> </a:t>
+            </a:r>
+            <a:r>
+              <a:rPr lang="en-US" altLang="zh-CN" b="1" dirty="0" smtClean="0"/>
+              <a:t>Onto</a:t>
+            </a:r>
+            <a:r>
+              <a:rPr lang="zh-CN" altLang="en-US" b="1" dirty="0" smtClean="0"/>
+              <a:t> </a:t>
+            </a:r>
+            <a:r>
+              <a:rPr lang="en-US" altLang="zh-CN" b="1" dirty="0" smtClean="0"/>
+              <a:t>the</a:t>
+            </a:r>
+            <a:r>
+              <a:rPr lang="zh-CN" altLang="en-US" b="1" dirty="0" smtClean="0"/>
+              <a:t> </a:t>
+            </a:r>
+            <a:r>
+              <a:rPr lang="en-US" altLang="zh-CN" b="1" dirty="0" smtClean="0"/>
+              <a:t>New</a:t>
+            </a:r>
+            <a:r>
+              <a:rPr lang="zh-CN" altLang="en-US" b="1" dirty="0" smtClean="0"/>
+              <a:t> </a:t>
+            </a:r>
+            <a:r>
+              <a:rPr lang="en-US" altLang="zh-CN" b="1" dirty="0" smtClean="0"/>
+              <a:t>Feature</a:t>
+            </a:r>
+            <a:r>
+              <a:rPr lang="zh-CN" altLang="en-US" b="1" dirty="0" smtClean="0"/>
+              <a:t> </a:t>
+            </a:r>
+            <a:r>
+              <a:rPr lang="en-US" altLang="zh-CN" b="1" dirty="0" smtClean="0"/>
+              <a:t>Space</a:t>
+            </a:r>
+          </a:p>
+        </p:txBody>
+      </p:sp>
+      <p:pic>
+        <p:nvPicPr>
+          <p:cNvPr id="11" name="Content Placeholder 6"/>
+          <p:cNvPicPr>
+            <a:picLocks/>
+          </p:cNvPicPr>
           <p:nvPr/>
         </p:nvPicPr>
         <p:blipFill>
-          <a:blip r:embed="rId2" cstate="print">
+          <a:blip r:embed="rId3">
             <a:extLst>
               <a:ext uri="{28A0092B-C50C-407E-A947-70E740481C1C}">
                 <a14:useLocalDpi xmlns:a14="http://schemas.microsoft.com/office/drawing/2010/main" val="0"/>
@@ -5919,24 +6076,107 @@
         </p:blipFill>
         <p:spPr>
           <a:xfrm>
-            <a:off x="810000" y="2222286"/>
-            <a:ext cx="10563286" cy="3636511"/>
+            <a:off x="4640094" y="2655652"/>
+            <a:ext cx="3356042" cy="2927216"/>
           </a:xfrm>
           <a:prstGeom prst="rect">
             <a:avLst/>
           </a:prstGeom>
         </p:spPr>
       </p:pic>
+      <p:sp>
+        <p:nvSpPr>
+          <p:cNvPr id="6" name="TextBox 5"/>
+          <p:cNvSpPr txBox="1"/>
+          <p:nvPr/>
+        </p:nvSpPr>
+        <p:spPr>
+          <a:xfrm>
+            <a:off x="5428034" y="5730412"/>
+            <a:ext cx="1780162" cy="369332"/>
+          </a:xfrm>
+          <a:prstGeom prst="rect">
+            <a:avLst/>
+          </a:prstGeom>
+          <a:noFill/>
+        </p:spPr>
+        <p:txBody>
+          <a:bodyPr wrap="square" rtlCol="0">
+            <a:spAutoFit/>
+          </a:bodyPr>
+          <a:lstStyle/>
+          <a:p>
+            <a:r>
+              <a:rPr lang="en-US" altLang="zh-CN" dirty="0" smtClean="0"/>
+              <a:t>Small</a:t>
+            </a:r>
+            <a:r>
+              <a:rPr lang="zh-CN" altLang="en-US" dirty="0" smtClean="0"/>
+              <a:t> </a:t>
+            </a:r>
+            <a:r>
+              <a:rPr lang="en-US" altLang="zh-CN" dirty="0" smtClean="0"/>
+              <a:t>Dataset</a:t>
+            </a:r>
+            <a:endParaRPr lang="en-US" dirty="0"/>
+          </a:p>
+        </p:txBody>
+      </p:sp>
+      <p:sp>
+        <p:nvSpPr>
+          <p:cNvPr id="13" name="TextBox 12"/>
+          <p:cNvSpPr txBox="1"/>
+          <p:nvPr/>
+        </p:nvSpPr>
+        <p:spPr>
+          <a:xfrm>
+            <a:off x="9300394" y="5730412"/>
+            <a:ext cx="1780162" cy="369332"/>
+          </a:xfrm>
+          <a:prstGeom prst="rect">
+            <a:avLst/>
+          </a:prstGeom>
+          <a:noFill/>
+        </p:spPr>
+        <p:txBody>
+          <a:bodyPr wrap="square" rtlCol="0">
+            <a:spAutoFit/>
+          </a:bodyPr>
+          <a:lstStyle/>
+          <a:p>
+            <a:r>
+              <a:rPr lang="en-US" altLang="zh-CN" dirty="0" smtClean="0"/>
+              <a:t>Large</a:t>
+            </a:r>
+            <a:r>
+              <a:rPr lang="zh-CN" altLang="en-US" dirty="0" smtClean="0"/>
+              <a:t> </a:t>
+            </a:r>
+            <a:r>
+              <a:rPr lang="en-US" altLang="zh-CN" dirty="0" smtClean="0"/>
+              <a:t>Dataset</a:t>
+            </a:r>
+            <a:endParaRPr lang="en-US" dirty="0"/>
+          </a:p>
+        </p:txBody>
+      </p:sp>
     </p:spTree>
     <p:extLst>
       <p:ext uri="{BB962C8B-B14F-4D97-AF65-F5344CB8AC3E}">
-        <p14:creationId xmlns:p14="http://schemas.microsoft.com/office/powerpoint/2010/main" val="3976526110"/>
+        <p14:creationId xmlns:p14="http://schemas.microsoft.com/office/powerpoint/2010/main" val="1131296011"/>
       </p:ext>
     </p:extLst>
   </p:cSld>
   <p:clrMapOvr>
     <a:masterClrMapping/>
   </p:clrMapOvr>
+  <p:timing>
+    <p:tnLst>
+      <p:par>
+        <p:cTn id="1" dur="indefinite" restart="never" nodeType="tmRoot"/>
+      </p:par>
+    </p:tnLst>
+  </p:timing>
 </p:sld>
 </file>
 
@@ -5974,46 +6214,55 @@
           <a:p>
             <a:r>
               <a:rPr lang="en-US" dirty="0"/>
-              <a:t>Step4: PCA</a:t>
-            </a:r>
-            <a:endParaRPr lang="en-US" dirty="0"/>
-          </a:p>
-        </p:txBody>
-      </p:sp>
-      <p:sp>
-        <p:nvSpPr>
-          <p:cNvPr id="9" name="Text Placeholder 8"/>
-          <p:cNvSpPr>
-            <a:spLocks noGrp="1"/>
-          </p:cNvSpPr>
-          <p:nvPr>
-            <p:ph type="body" idx="1"/>
-          </p:nvPr>
-        </p:nvSpPr>
-        <p:spPr/>
+              <a:t>Outcome after data preprocessing</a:t>
+            </a:r>
+          </a:p>
+        </p:txBody>
+      </p:sp>
+      <p:sp>
+        <p:nvSpPr>
+          <p:cNvPr id="7" name="Content Placeholder 6"/>
+          <p:cNvSpPr>
+            <a:spLocks noGrp="1"/>
+          </p:cNvSpPr>
+          <p:nvPr>
+            <p:ph idx="1"/>
+          </p:nvPr>
+        </p:nvSpPr>
+        <p:spPr>
+          <a:xfrm>
+            <a:off x="936459" y="2252842"/>
+            <a:ext cx="3910518" cy="3636511"/>
+          </a:xfrm>
+        </p:spPr>
         <p:txBody>
           <a:bodyPr/>
           <a:lstStyle/>
           <a:p>
             <a:r>
-              <a:rPr lang="en-US" sz="2800" dirty="0"/>
-              <a:t>Small Dataset</a:t>
-            </a:r>
+              <a:rPr lang="en-US" dirty="0"/>
+              <a:t>For the small dataset, after data preprocessing we reduced the column count to 212 (delete columns that are all empty). </a:t>
+            </a:r>
+          </a:p>
+          <a:p>
+            <a:r>
+              <a:rPr lang="en-US" dirty="0"/>
+              <a:t>For the large dataset, we reduced the column count to 6000 with PCA while retaining 98% of variance</a:t>
+            </a:r>
+          </a:p>
+          <a:p>
+            <a:endParaRPr lang="en-US" dirty="0"/>
           </a:p>
         </p:txBody>
       </p:sp>
       <p:pic>
         <p:nvPicPr>
-          <p:cNvPr id="7" name="Content Placeholder 6"/>
-          <p:cNvPicPr>
-            <a:picLocks noGrp="1"/>
-          </p:cNvPicPr>
-          <p:nvPr>
-            <p:ph sz="half" idx="2"/>
-          </p:nvPr>
+          <p:cNvPr id="6" name="Picture 5"/>
+          <p:cNvPicPr/>
+          <p:nvPr/>
         </p:nvPicPr>
         <p:blipFill>
-          <a:blip r:embed="rId2">
+          <a:blip r:embed="rId2" cstate="print">
             <a:extLst>
               <a:ext uri="{28A0092B-C50C-407E-A947-70E740481C1C}">
                 <a14:useLocalDpi xmlns:a14="http://schemas.microsoft.com/office/drawing/2010/main" val="0"/>
@@ -6026,56 +6275,8 @@
         </p:blipFill>
         <p:spPr>
           <a:xfrm>
-            <a:off x="874578" y="2751138"/>
-            <a:ext cx="5069156" cy="3109912"/>
-          </a:xfrm>
-          <a:prstGeom prst="rect">
-            <a:avLst/>
-          </a:prstGeom>
-        </p:spPr>
-      </p:pic>
-      <p:sp>
-        <p:nvSpPr>
-          <p:cNvPr id="10" name="Text Placeholder 9"/>
-          <p:cNvSpPr>
-            <a:spLocks noGrp="1"/>
-          </p:cNvSpPr>
-          <p:nvPr>
-            <p:ph type="body" sz="quarter" idx="3"/>
-          </p:nvPr>
-        </p:nvSpPr>
-        <p:spPr/>
-        <p:txBody>
-          <a:bodyPr/>
-          <a:lstStyle/>
-          <a:p>
-            <a:r>
-              <a:rPr lang="en-US" sz="2800" dirty="0"/>
-              <a:t>Large Dataset</a:t>
-            </a:r>
-          </a:p>
-        </p:txBody>
-      </p:sp>
-      <p:pic>
-        <p:nvPicPr>
-          <p:cNvPr id="12" name="Content Placeholder 11"/>
-          <p:cNvPicPr>
-            <a:picLocks noGrp="1" noChangeAspect="1"/>
-          </p:cNvPicPr>
-          <p:nvPr>
-            <p:ph sz="quarter" idx="4"/>
-          </p:nvPr>
-        </p:nvPicPr>
-        <p:blipFill>
-          <a:blip r:embed="rId3"/>
-          <a:stretch>
-            <a:fillRect/>
-          </a:stretch>
-        </p:blipFill>
-        <p:spPr>
-          <a:xfrm>
-            <a:off x="6257929" y="2751138"/>
-            <a:ext cx="5054591" cy="3109912"/>
+            <a:off x="5595026" y="2352866"/>
+            <a:ext cx="5943600" cy="3536487"/>
           </a:xfrm>
           <a:prstGeom prst="rect">
             <a:avLst/>
@@ -6085,13 +6286,20 @@
     </p:spTree>
     <p:extLst>
       <p:ext uri="{BB962C8B-B14F-4D97-AF65-F5344CB8AC3E}">
-        <p14:creationId xmlns:p14="http://schemas.microsoft.com/office/powerpoint/2010/main" val="1087159388"/>
+        <p14:creationId xmlns:p14="http://schemas.microsoft.com/office/powerpoint/2010/main" val="2019329986"/>
       </p:ext>
     </p:extLst>
   </p:cSld>
   <p:clrMapOvr>
     <a:masterClrMapping/>
   </p:clrMapOvr>
+  <p:timing>
+    <p:tnLst>
+      <p:par>
+        <p:cTn id="1" dur="indefinite" restart="never" nodeType="tmRoot"/>
+      </p:par>
+    </p:tnLst>
+  </p:timing>
 </p:sld>
 </file>
 
@@ -6114,7 +6322,7 @@
       </p:grpSpPr>
       <p:sp>
         <p:nvSpPr>
-          <p:cNvPr id="2" name="Title 1"/>
+          <p:cNvPr id="7" name="Title 6"/>
           <p:cNvSpPr>
             <a:spLocks noGrp="1"/>
           </p:cNvSpPr>
@@ -6129,19 +6337,31 @@
           <a:p>
             <a:r>
               <a:rPr lang="en-US" dirty="0"/>
-              <a:t>Outcome after data preprocessing</a:t>
-            </a:r>
-          </a:p>
-        </p:txBody>
-      </p:sp>
-      <p:sp>
-        <p:nvSpPr>
-          <p:cNvPr id="7" name="Content Placeholder 6"/>
-          <p:cNvSpPr>
-            <a:spLocks noGrp="1"/>
-          </p:cNvSpPr>
-          <p:nvPr>
-            <p:ph idx="1"/>
+              <a:t>Machine Learning</a:t>
+            </a:r>
+            <a:br>
+              <a:rPr lang="en-US" dirty="0"/>
+            </a:br>
+            <a:r>
+              <a:rPr lang="en-US" sz="2800" dirty="0"/>
+              <a:t>(</a:t>
+            </a:r>
+            <a:r>
+              <a:rPr lang="en-US" sz="2400" dirty="0"/>
+              <a:t>Artificial Neural Network)</a:t>
+            </a:r>
+            <a:endParaRPr lang="en-US" dirty="0"/>
+          </a:p>
+        </p:txBody>
+      </p:sp>
+      <p:sp>
+        <p:nvSpPr>
+          <p:cNvPr id="8" name="Text Placeholder 7"/>
+          <p:cNvSpPr>
+            <a:spLocks noGrp="1"/>
+          </p:cNvSpPr>
+          <p:nvPr>
+            <p:ph type="body" sz="quarter" idx="16"/>
           </p:nvPr>
         </p:nvSpPr>
         <p:spPr/>
@@ -6149,26 +6369,14 @@
           <a:bodyPr/>
           <a:lstStyle/>
           <a:p>
-            <a:r>
-              <a:rPr lang="en-US" dirty="0"/>
-              <a:t>For the small dataset, after data preprocessing we reduced the column count to 212 (delete columns that are all empty). </a:t>
-            </a:r>
-          </a:p>
-          <a:p>
-            <a:r>
-              <a:rPr lang="en-US" dirty="0"/>
-              <a:t>For the large dataset, we reduced the column count to 6000 with PCA while retaining 98% of variance</a:t>
-            </a:r>
-          </a:p>
-          <a:p>
-            <a:endParaRPr lang="en-US" dirty="0"/>
+            <a:endParaRPr lang="en-US"/>
           </a:p>
         </p:txBody>
       </p:sp>
     </p:spTree>
     <p:extLst>
       <p:ext uri="{BB962C8B-B14F-4D97-AF65-F5344CB8AC3E}">
-        <p14:creationId xmlns:p14="http://schemas.microsoft.com/office/powerpoint/2010/main" val="592192190"/>
+        <p14:creationId xmlns:p14="http://schemas.microsoft.com/office/powerpoint/2010/main" val="839245822"/>
       </p:ext>
     </p:extLst>
   </p:cSld>
@@ -6197,89 +6405,6 @@
       </p:grpSpPr>
       <p:sp>
         <p:nvSpPr>
-          <p:cNvPr id="7" name="Title 6"/>
-          <p:cNvSpPr>
-            <a:spLocks noGrp="1"/>
-          </p:cNvSpPr>
-          <p:nvPr>
-            <p:ph type="title"/>
-          </p:nvPr>
-        </p:nvSpPr>
-        <p:spPr/>
-        <p:txBody>
-          <a:bodyPr/>
-          <a:lstStyle/>
-          <a:p>
-            <a:r>
-              <a:rPr lang="en-US" dirty="0"/>
-              <a:t>Machine Learning</a:t>
-            </a:r>
-            <a:br>
-              <a:rPr lang="en-US" dirty="0"/>
-            </a:br>
-            <a:r>
-              <a:rPr lang="en-US" sz="2800" dirty="0"/>
-              <a:t>(</a:t>
-            </a:r>
-            <a:r>
-              <a:rPr lang="en-US" sz="2400" dirty="0"/>
-              <a:t>Artificial Neural Network)</a:t>
-            </a:r>
-            <a:endParaRPr lang="en-US" dirty="0"/>
-          </a:p>
-        </p:txBody>
-      </p:sp>
-      <p:sp>
-        <p:nvSpPr>
-          <p:cNvPr id="8" name="Text Placeholder 7"/>
-          <p:cNvSpPr>
-            <a:spLocks noGrp="1"/>
-          </p:cNvSpPr>
-          <p:nvPr>
-            <p:ph type="body" sz="quarter" idx="16"/>
-          </p:nvPr>
-        </p:nvSpPr>
-        <p:spPr/>
-        <p:txBody>
-          <a:bodyPr/>
-          <a:lstStyle/>
-          <a:p>
-            <a:endParaRPr lang="en-US"/>
-          </a:p>
-        </p:txBody>
-      </p:sp>
-    </p:spTree>
-    <p:extLst>
-      <p:ext uri="{BB962C8B-B14F-4D97-AF65-F5344CB8AC3E}">
-        <p14:creationId xmlns:p14="http://schemas.microsoft.com/office/powerpoint/2010/main" val="839245822"/>
-      </p:ext>
-    </p:extLst>
-  </p:cSld>
-  <p:clrMapOvr>
-    <a:masterClrMapping/>
-  </p:clrMapOvr>
-</p:sld>
-</file>
-
-<file path=ppt/slides/slide17.xml><?xml version="1.0" encoding="utf-8"?>
-<p:sld xmlns:a="http://schemas.openxmlformats.org/drawingml/2006/main" xmlns:r="http://schemas.openxmlformats.org/officeDocument/2006/relationships" xmlns:p="http://schemas.openxmlformats.org/presentationml/2006/main">
-  <p:cSld>
-    <p:spTree>
-      <p:nvGrpSpPr>
-        <p:cNvPr id="1" name=""/>
-        <p:cNvGrpSpPr/>
-        <p:nvPr/>
-      </p:nvGrpSpPr>
-      <p:grpSpPr>
-        <a:xfrm>
-          <a:off x="0" y="0"/>
-          <a:ext cx="0" cy="0"/>
-          <a:chOff x="0" y="0"/>
-          <a:chExt cx="0" cy="0"/>
-        </a:xfrm>
-      </p:grpSpPr>
-      <p:sp>
-        <p:nvSpPr>
           <p:cNvPr id="4" name="Title 3"/>
           <p:cNvSpPr>
             <a:spLocks noGrp="1"/>
@@ -6317,11 +6442,7 @@
           <a:p>
             <a:r>
               <a:rPr lang="en-US" dirty="0"/>
-              <a:t>An extension of the Naïve Bayes classifier, </a:t>
-            </a:r>
-            <a:r>
-              <a:rPr lang="en-US" dirty="0"/>
-              <a:t>called “Selective Naïve Bayes classifier” </a:t>
+              <a:t>An extension of the Naïve Bayes classifier, called “Selective Naïve Bayes classifier” </a:t>
             </a:r>
           </a:p>
           <a:p>
@@ -6396,7 +6517,7 @@
 </p:sld>
 </file>
 
-<file path=ppt/slides/slide18.xml><?xml version="1.0" encoding="utf-8"?>
+<file path=ppt/slides/slide17.xml><?xml version="1.0" encoding="utf-8"?>
 <p:sld xmlns:a="http://schemas.openxmlformats.org/drawingml/2006/main" xmlns:r="http://schemas.openxmlformats.org/officeDocument/2006/relationships" xmlns:p="http://schemas.openxmlformats.org/presentationml/2006/main">
   <p:cSld>
     <p:spTree>
@@ -6433,12 +6554,24 @@
           <a:bodyPr/>
           <a:lstStyle/>
           <a:p>
+            <a:r>
+              <a:rPr lang="en-US" dirty="0"/>
+              <a:t/>
+            </a:r>
             <a:br>
               <a:rPr lang="en-US" dirty="0"/>
             </a:br>
+            <a:r>
+              <a:rPr lang="en-US" dirty="0"/>
+              <a:t/>
+            </a:r>
             <a:br>
               <a:rPr lang="en-US" dirty="0"/>
             </a:br>
+            <a:r>
+              <a:rPr lang="en-US" dirty="0"/>
+              <a:t/>
+            </a:r>
             <a:br>
               <a:rPr lang="en-US" dirty="0"/>
             </a:br>
@@ -6446,7 +6579,6 @@
               <a:rPr lang="en-US" dirty="0"/>
               <a:t>Choice of Classification Algorithms of original participants</a:t>
             </a:r>
-            <a:endParaRPr lang="en-US" dirty="0"/>
           </a:p>
         </p:txBody>
       </p:sp>
@@ -6508,7 +6640,7 @@
 </p:sld>
 </file>
 
-<file path=ppt/slides/slide19.xml><?xml version="1.0" encoding="utf-8"?>
+<file path=ppt/slides/slide18.xml><?xml version="1.0" encoding="utf-8"?>
 <p:sld xmlns:a="http://schemas.openxmlformats.org/drawingml/2006/main" xmlns:r="http://schemas.openxmlformats.org/officeDocument/2006/relationships" xmlns:p="http://schemas.openxmlformats.org/presentationml/2006/main">
   <p:cSld>
     <p:spTree>
@@ -6549,7 +6681,6 @@
               <a:rPr lang="en-US" dirty="0"/>
               <a:t>Top 10 results of original challenge</a:t>
             </a:r>
-            <a:endParaRPr lang="en-US" dirty="0"/>
           </a:p>
         </p:txBody>
       </p:sp>
@@ -6600,6 +6731,167 @@
     <p:extLst>
       <p:ext uri="{BB962C8B-B14F-4D97-AF65-F5344CB8AC3E}">
         <p14:creationId xmlns:p14="http://schemas.microsoft.com/office/powerpoint/2010/main" val="3175563180"/>
+      </p:ext>
+    </p:extLst>
+  </p:cSld>
+  <p:clrMapOvr>
+    <a:masterClrMapping/>
+  </p:clrMapOvr>
+</p:sld>
+</file>
+
+<file path=ppt/slides/slide19.xml><?xml version="1.0" encoding="utf-8"?>
+<p:sld xmlns:a="http://schemas.openxmlformats.org/drawingml/2006/main" xmlns:r="http://schemas.openxmlformats.org/officeDocument/2006/relationships" xmlns:p="http://schemas.openxmlformats.org/presentationml/2006/main">
+  <p:cSld>
+    <p:spTree>
+      <p:nvGrpSpPr>
+        <p:cNvPr id="1" name=""/>
+        <p:cNvGrpSpPr/>
+        <p:nvPr/>
+      </p:nvGrpSpPr>
+      <p:grpSpPr>
+        <a:xfrm>
+          <a:off x="0" y="0"/>
+          <a:ext cx="0" cy="0"/>
+          <a:chOff x="0" y="0"/>
+          <a:chExt cx="0" cy="0"/>
+        </a:xfrm>
+      </p:grpSpPr>
+      <p:sp>
+        <p:nvSpPr>
+          <p:cNvPr id="4" name="Title 3"/>
+          <p:cNvSpPr>
+            <a:spLocks noGrp="1"/>
+          </p:cNvSpPr>
+          <p:nvPr>
+            <p:ph type="title"/>
+          </p:nvPr>
+        </p:nvSpPr>
+        <p:spPr/>
+        <p:txBody>
+          <a:bodyPr/>
+          <a:lstStyle/>
+          <a:p>
+            <a:r>
+              <a:rPr lang="en-US" dirty="0"/>
+              <a:t>Comparison</a:t>
+            </a:r>
+          </a:p>
+        </p:txBody>
+      </p:sp>
+      <p:sp>
+        <p:nvSpPr>
+          <p:cNvPr id="5" name="Text Placeholder 4"/>
+          <p:cNvSpPr>
+            <a:spLocks noGrp="1"/>
+          </p:cNvSpPr>
+          <p:nvPr>
+            <p:ph type="body" idx="1"/>
+          </p:nvPr>
+        </p:nvSpPr>
+        <p:spPr/>
+        <p:txBody>
+          <a:bodyPr/>
+          <a:lstStyle/>
+          <a:p>
+            <a:r>
+              <a:rPr lang="en-US" sz="2800" dirty="0"/>
+              <a:t>Decision Tree Learning</a:t>
+            </a:r>
+          </a:p>
+        </p:txBody>
+      </p:sp>
+      <p:sp>
+        <p:nvSpPr>
+          <p:cNvPr id="6" name="Content Placeholder 5"/>
+          <p:cNvSpPr>
+            <a:spLocks noGrp="1"/>
+          </p:cNvSpPr>
+          <p:nvPr>
+            <p:ph sz="half" idx="2"/>
+          </p:nvPr>
+        </p:nvSpPr>
+        <p:spPr/>
+        <p:txBody>
+          <a:bodyPr/>
+          <a:lstStyle/>
+          <a:p>
+            <a:endParaRPr lang="en-US" dirty="0"/>
+          </a:p>
+          <a:p>
+            <a:r>
+              <a:rPr lang="en-US" dirty="0"/>
+              <a:t>more efficient with large numbers of labeled examples</a:t>
+            </a:r>
+          </a:p>
+          <a:p>
+            <a:r>
+              <a:rPr lang="en-US" dirty="0"/>
+              <a:t>less efficient with large numbers of features or high dimensionality</a:t>
+            </a:r>
+          </a:p>
+          <a:p>
+            <a:r>
+              <a:rPr lang="en-US" dirty="0"/>
+              <a:t>much quicker than the typical neural network to build or learn a model </a:t>
+            </a:r>
+          </a:p>
+        </p:txBody>
+      </p:sp>
+      <p:sp>
+        <p:nvSpPr>
+          <p:cNvPr id="7" name="Text Placeholder 6"/>
+          <p:cNvSpPr>
+            <a:spLocks noGrp="1"/>
+          </p:cNvSpPr>
+          <p:nvPr>
+            <p:ph type="body" sz="quarter" idx="3"/>
+          </p:nvPr>
+        </p:nvSpPr>
+        <p:spPr/>
+        <p:txBody>
+          <a:bodyPr/>
+          <a:lstStyle/>
+          <a:p>
+            <a:r>
+              <a:rPr lang="en-US" sz="2800" dirty="0"/>
+              <a:t>Neural Networks</a:t>
+            </a:r>
+          </a:p>
+        </p:txBody>
+      </p:sp>
+      <p:sp>
+        <p:nvSpPr>
+          <p:cNvPr id="8" name="Content Placeholder 7"/>
+          <p:cNvSpPr>
+            <a:spLocks noGrp="1"/>
+          </p:cNvSpPr>
+          <p:nvPr>
+            <p:ph sz="quarter" idx="4"/>
+          </p:nvPr>
+        </p:nvSpPr>
+        <p:spPr/>
+        <p:txBody>
+          <a:bodyPr/>
+          <a:lstStyle/>
+          <a:p>
+            <a:endParaRPr lang="en-US" dirty="0"/>
+          </a:p>
+          <a:p>
+            <a:r>
+              <a:rPr lang="en-US" dirty="0"/>
+              <a:t>For highly non-linear boundaries between classes, neural networks are more likely to find appropriate boundaries because decision trees will have to approximate a non-linear boundary with a series of axis parallel splits.</a:t>
+            </a:r>
+          </a:p>
+          <a:p>
+            <a:endParaRPr lang="en-US" dirty="0"/>
+          </a:p>
+        </p:txBody>
+      </p:sp>
+    </p:spTree>
+    <p:extLst>
+      <p:ext uri="{BB962C8B-B14F-4D97-AF65-F5344CB8AC3E}">
+        <p14:creationId xmlns:p14="http://schemas.microsoft.com/office/powerpoint/2010/main" val="1379203716"/>
       </p:ext>
     </p:extLst>
   </p:cSld>
@@ -6645,7 +6937,6 @@
               <a:rPr lang="en-US" dirty="0"/>
               <a:t>The KDD Cup 2009</a:t>
             </a:r>
-            <a:endParaRPr lang="en-US" dirty="0"/>
           </a:p>
         </p:txBody>
       </p:sp>
@@ -6700,7 +6991,7 @@
       </p:grpSpPr>
       <p:sp>
         <p:nvSpPr>
-          <p:cNvPr id="4" name="Title 3"/>
+          <p:cNvPr id="7" name="Title 6"/>
           <p:cNvSpPr>
             <a:spLocks noGrp="1"/>
           </p:cNvSpPr>
@@ -6715,19 +7006,19 @@
           <a:p>
             <a:r>
               <a:rPr lang="en-US" dirty="0"/>
-              <a:t>Comparison</a:t>
-            </a:r>
-          </a:p>
-        </p:txBody>
-      </p:sp>
-      <p:sp>
-        <p:nvSpPr>
-          <p:cNvPr id="5" name="Text Placeholder 4"/>
-          <p:cNvSpPr>
-            <a:spLocks noGrp="1"/>
-          </p:cNvSpPr>
-          <p:nvPr>
-            <p:ph type="body" idx="1"/>
+              <a:t>Why no ANN? Why not ANN?</a:t>
+            </a:r>
+          </a:p>
+        </p:txBody>
+      </p:sp>
+      <p:sp>
+        <p:nvSpPr>
+          <p:cNvPr id="8" name="Content Placeholder 7"/>
+          <p:cNvSpPr>
+            <a:spLocks noGrp="1"/>
+          </p:cNvSpPr>
+          <p:nvPr>
+            <p:ph idx="1"/>
           </p:nvPr>
         </p:nvSpPr>
         <p:spPr/>
@@ -6736,95 +7027,14 @@
           <a:lstStyle/>
           <a:p>
             <a:r>
-              <a:rPr lang="en-US" sz="2800" dirty="0"/>
-              <a:t>Decision Tree Learning</a:t>
-            </a:r>
-            <a:endParaRPr lang="en-US" sz="2800" dirty="0"/>
-          </a:p>
-        </p:txBody>
-      </p:sp>
-      <p:sp>
-        <p:nvSpPr>
-          <p:cNvPr id="6" name="Content Placeholder 5"/>
-          <p:cNvSpPr>
-            <a:spLocks noGrp="1"/>
-          </p:cNvSpPr>
-          <p:nvPr>
-            <p:ph sz="half" idx="2"/>
-          </p:nvPr>
-        </p:nvSpPr>
-        <p:spPr/>
-        <p:txBody>
-          <a:bodyPr/>
-          <a:lstStyle/>
-          <a:p>
-            <a:endParaRPr lang="en-US" dirty="0"/>
-          </a:p>
-          <a:p>
-            <a:r>
               <a:rPr lang="en-US" dirty="0"/>
-              <a:t>more efficient with large numbers of labeled examples</a:t>
+              <a:t>Artificial Neural Network was used, but only by around 20% percent of the original participants, while none of whom made it to the top 10.</a:t>
             </a:r>
           </a:p>
           <a:p>
             <a:r>
               <a:rPr lang="en-US" dirty="0"/>
-              <a:t>less efficient with large numbers of features or high dimensionality</a:t>
-            </a:r>
-          </a:p>
-          <a:p>
-            <a:r>
-              <a:rPr lang="en-US" dirty="0"/>
-              <a:t>much quicker than the typical neural network to build or learn a model </a:t>
-            </a:r>
-            <a:endParaRPr lang="en-US" dirty="0"/>
-          </a:p>
-        </p:txBody>
-      </p:sp>
-      <p:sp>
-        <p:nvSpPr>
-          <p:cNvPr id="7" name="Text Placeholder 6"/>
-          <p:cNvSpPr>
-            <a:spLocks noGrp="1"/>
-          </p:cNvSpPr>
-          <p:nvPr>
-            <p:ph type="body" sz="quarter" idx="3"/>
-          </p:nvPr>
-        </p:nvSpPr>
-        <p:spPr/>
-        <p:txBody>
-          <a:bodyPr/>
-          <a:lstStyle/>
-          <a:p>
-            <a:r>
-              <a:rPr lang="en-US" sz="2800" dirty="0"/>
-              <a:t>Neural Networks</a:t>
-            </a:r>
-            <a:endParaRPr lang="en-US" sz="2800" dirty="0"/>
-          </a:p>
-        </p:txBody>
-      </p:sp>
-      <p:sp>
-        <p:nvSpPr>
-          <p:cNvPr id="8" name="Content Placeholder 7"/>
-          <p:cNvSpPr>
-            <a:spLocks noGrp="1"/>
-          </p:cNvSpPr>
-          <p:nvPr>
-            <p:ph sz="quarter" idx="4"/>
-          </p:nvPr>
-        </p:nvSpPr>
-        <p:spPr/>
-        <p:txBody>
-          <a:bodyPr/>
-          <a:lstStyle/>
-          <a:p>
-            <a:endParaRPr lang="en-US" dirty="0"/>
-          </a:p>
-          <a:p>
-            <a:r>
-              <a:rPr lang="en-US" dirty="0"/>
-              <a:t>For highly non-linear boundaries between classes, neural networks are more likely to find appropriate boundaries because decision trees will have to approximate a non-linear boundary with a series of axis parallel splits.</a:t>
+              <a:t>Neural Network’s poor performance in the original challenge is hardware in 2009</a:t>
             </a:r>
           </a:p>
           <a:p>
@@ -6835,7 +7045,7 @@
     </p:spTree>
     <p:extLst>
       <p:ext uri="{BB962C8B-B14F-4D97-AF65-F5344CB8AC3E}">
-        <p14:creationId xmlns:p14="http://schemas.microsoft.com/office/powerpoint/2010/main" val="1379203716"/>
+        <p14:creationId xmlns:p14="http://schemas.microsoft.com/office/powerpoint/2010/main" val="58538460"/>
       </p:ext>
     </p:extLst>
   </p:cSld>
@@ -6879,20 +7089,19 @@
           <a:p>
             <a:r>
               <a:rPr lang="en-US" dirty="0"/>
-              <a:t>Why no ANN? Why not ANN?</a:t>
-            </a:r>
-            <a:endParaRPr lang="en-US" dirty="0"/>
-          </a:p>
-        </p:txBody>
-      </p:sp>
-      <p:sp>
-        <p:nvSpPr>
-          <p:cNvPr id="8" name="Content Placeholder 7"/>
-          <p:cNvSpPr>
-            <a:spLocks noGrp="1"/>
-          </p:cNvSpPr>
-          <p:nvPr>
-            <p:ph idx="1"/>
+              <a:t>Our outcome</a:t>
+            </a:r>
+          </a:p>
+        </p:txBody>
+      </p:sp>
+      <p:sp>
+        <p:nvSpPr>
+          <p:cNvPr id="8" name="Text Placeholder 7"/>
+          <p:cNvSpPr>
+            <a:spLocks noGrp="1"/>
+          </p:cNvSpPr>
+          <p:nvPr>
+            <p:ph type="body" sz="quarter" idx="16"/>
           </p:nvPr>
         </p:nvSpPr>
         <p:spPr/>
@@ -6900,26 +7109,14 @@
           <a:bodyPr/>
           <a:lstStyle/>
           <a:p>
-            <a:r>
-              <a:rPr lang="en-US" dirty="0"/>
-              <a:t>Artificial Neural Network was used, but only by around 20% percent of the original participants, while none of whom made it to the top 10.</a:t>
-            </a:r>
-          </a:p>
-          <a:p>
-            <a:r>
-              <a:rPr lang="en-US" dirty="0"/>
-              <a:t>Neural Network’s poor performance in the original challenge is hardware in 2009</a:t>
-            </a:r>
-          </a:p>
-          <a:p>
-            <a:endParaRPr lang="en-US" dirty="0"/>
+            <a:endParaRPr lang="en-US"/>
           </a:p>
         </p:txBody>
       </p:sp>
     </p:spTree>
     <p:extLst>
       <p:ext uri="{BB962C8B-B14F-4D97-AF65-F5344CB8AC3E}">
-        <p14:creationId xmlns:p14="http://schemas.microsoft.com/office/powerpoint/2010/main" val="58538460"/>
+        <p14:creationId xmlns:p14="http://schemas.microsoft.com/office/powerpoint/2010/main" val="2732711681"/>
       </p:ext>
     </p:extLst>
   </p:cSld>
@@ -6948,77 +7145,6 @@
       </p:grpSpPr>
       <p:sp>
         <p:nvSpPr>
-          <p:cNvPr id="7" name="Title 6"/>
-          <p:cNvSpPr>
-            <a:spLocks noGrp="1"/>
-          </p:cNvSpPr>
-          <p:nvPr>
-            <p:ph type="title"/>
-          </p:nvPr>
-        </p:nvSpPr>
-        <p:spPr/>
-        <p:txBody>
-          <a:bodyPr/>
-          <a:lstStyle/>
-          <a:p>
-            <a:r>
-              <a:rPr lang="en-US" dirty="0"/>
-              <a:t>Our outcome</a:t>
-            </a:r>
-          </a:p>
-        </p:txBody>
-      </p:sp>
-      <p:sp>
-        <p:nvSpPr>
-          <p:cNvPr id="8" name="Text Placeholder 7"/>
-          <p:cNvSpPr>
-            <a:spLocks noGrp="1"/>
-          </p:cNvSpPr>
-          <p:nvPr>
-            <p:ph type="body" sz="quarter" idx="16"/>
-          </p:nvPr>
-        </p:nvSpPr>
-        <p:spPr/>
-        <p:txBody>
-          <a:bodyPr/>
-          <a:lstStyle/>
-          <a:p>
-            <a:endParaRPr lang="en-US"/>
-          </a:p>
-        </p:txBody>
-      </p:sp>
-    </p:spTree>
-    <p:extLst>
-      <p:ext uri="{BB962C8B-B14F-4D97-AF65-F5344CB8AC3E}">
-        <p14:creationId xmlns:p14="http://schemas.microsoft.com/office/powerpoint/2010/main" val="2732711681"/>
-      </p:ext>
-    </p:extLst>
-  </p:cSld>
-  <p:clrMapOvr>
-    <a:masterClrMapping/>
-  </p:clrMapOvr>
-</p:sld>
-</file>
-
-<file path=ppt/slides/slide23.xml><?xml version="1.0" encoding="utf-8"?>
-<p:sld xmlns:a="http://schemas.openxmlformats.org/drawingml/2006/main" xmlns:r="http://schemas.openxmlformats.org/officeDocument/2006/relationships" xmlns:p="http://schemas.openxmlformats.org/presentationml/2006/main">
-  <p:cSld>
-    <p:spTree>
-      <p:nvGrpSpPr>
-        <p:cNvPr id="1" name=""/>
-        <p:cNvGrpSpPr/>
-        <p:nvPr/>
-      </p:nvGrpSpPr>
-      <p:grpSpPr>
-        <a:xfrm>
-          <a:off x="0" y="0"/>
-          <a:ext cx="0" cy="0"/>
-          <a:chOff x="0" y="0"/>
-          <a:chExt cx="0" cy="0"/>
-        </a:xfrm>
-      </p:grpSpPr>
-      <p:sp>
-        <p:nvSpPr>
           <p:cNvPr id="2" name="Title 1"/>
           <p:cNvSpPr>
             <a:spLocks noGrp="1"/>
@@ -7036,7 +7162,6 @@
               <a:rPr lang="en-US" dirty="0"/>
               <a:t>Combination1 on small dataset </a:t>
             </a:r>
-            <a:endParaRPr lang="en-US" dirty="0"/>
           </a:p>
         </p:txBody>
       </p:sp>
@@ -7111,56 +7236,56 @@
                 <a:gridCol w="868219">
                   <a:extLst>
                     <a:ext uri="{9D8B030D-6E8A-4147-A177-3AD203B41FA5}">
-                      <a16:colId xmlns:a16="http://schemas.microsoft.com/office/drawing/2014/main" val="3064537587"/>
+                      <a16:colId xmlns:a16="http://schemas.microsoft.com/office/drawing/2014/main" xmlns="" val="3064537587"/>
                     </a:ext>
                   </a:extLst>
                 </a:gridCol>
                 <a:gridCol w="1638413">
                   <a:extLst>
                     <a:ext uri="{9D8B030D-6E8A-4147-A177-3AD203B41FA5}">
-                      <a16:colId xmlns:a16="http://schemas.microsoft.com/office/drawing/2014/main" val="4293890241"/>
+                      <a16:colId xmlns:a16="http://schemas.microsoft.com/office/drawing/2014/main" xmlns="" val="4293890241"/>
                     </a:ext>
                   </a:extLst>
                 </a:gridCol>
                 <a:gridCol w="1341793">
                   <a:extLst>
                     <a:ext uri="{9D8B030D-6E8A-4147-A177-3AD203B41FA5}">
-                      <a16:colId xmlns:a16="http://schemas.microsoft.com/office/drawing/2014/main" val="2903143771"/>
+                      <a16:colId xmlns:a16="http://schemas.microsoft.com/office/drawing/2014/main" xmlns="" val="2903143771"/>
                     </a:ext>
                   </a:extLst>
                 </a:gridCol>
                 <a:gridCol w="1279413">
                   <a:extLst>
                     <a:ext uri="{9D8B030D-6E8A-4147-A177-3AD203B41FA5}">
-                      <a16:colId xmlns:a16="http://schemas.microsoft.com/office/drawing/2014/main" val="2597123010"/>
+                      <a16:colId xmlns:a16="http://schemas.microsoft.com/office/drawing/2014/main" xmlns="" val="2597123010"/>
                     </a:ext>
                   </a:extLst>
                 </a:gridCol>
                 <a:gridCol w="1582398">
                   <a:extLst>
                     <a:ext uri="{9D8B030D-6E8A-4147-A177-3AD203B41FA5}">
-                      <a16:colId xmlns:a16="http://schemas.microsoft.com/office/drawing/2014/main" val="1307009200"/>
+                      <a16:colId xmlns:a16="http://schemas.microsoft.com/office/drawing/2014/main" xmlns="" val="1307009200"/>
                     </a:ext>
                   </a:extLst>
                 </a:gridCol>
                 <a:gridCol w="1270502">
                   <a:extLst>
                     <a:ext uri="{9D8B030D-6E8A-4147-A177-3AD203B41FA5}">
-                      <a16:colId xmlns:a16="http://schemas.microsoft.com/office/drawing/2014/main" val="871632675"/>
+                      <a16:colId xmlns:a16="http://schemas.microsoft.com/office/drawing/2014/main" xmlns="" val="871632675"/>
                     </a:ext>
                   </a:extLst>
                 </a:gridCol>
                 <a:gridCol w="1022258">
                   <a:extLst>
                     <a:ext uri="{9D8B030D-6E8A-4147-A177-3AD203B41FA5}">
-                      <a16:colId xmlns:a16="http://schemas.microsoft.com/office/drawing/2014/main" val="2554017257"/>
+                      <a16:colId xmlns:a16="http://schemas.microsoft.com/office/drawing/2014/main" xmlns="" val="2554017257"/>
                     </a:ext>
                   </a:extLst>
                 </a:gridCol>
                 <a:gridCol w="1143197">
                   <a:extLst>
                     <a:ext uri="{9D8B030D-6E8A-4147-A177-3AD203B41FA5}">
-                      <a16:colId xmlns:a16="http://schemas.microsoft.com/office/drawing/2014/main" val="2817869679"/>
+                      <a16:colId xmlns:a16="http://schemas.microsoft.com/office/drawing/2014/main" xmlns="" val="2817869679"/>
                     </a:ext>
                   </a:extLst>
                 </a:gridCol>
@@ -7424,7 +7549,7 @@
                 </a:tc>
                 <a:extLst>
                   <a:ext uri="{0D108BD9-81ED-4DB2-BD59-A6C34878D82A}">
-                    <a16:rowId xmlns:a16="http://schemas.microsoft.com/office/drawing/2014/main" val="3770284123"/>
+                    <a16:rowId xmlns:a16="http://schemas.microsoft.com/office/drawing/2014/main" xmlns="" val="3770284123"/>
                   </a:ext>
                 </a:extLst>
               </a:tr>
@@ -7687,7 +7812,7 @@
                 </a:tc>
                 <a:extLst>
                   <a:ext uri="{0D108BD9-81ED-4DB2-BD59-A6C34878D82A}">
-                    <a16:rowId xmlns:a16="http://schemas.microsoft.com/office/drawing/2014/main" val="4287986039"/>
+                    <a16:rowId xmlns:a16="http://schemas.microsoft.com/office/drawing/2014/main" xmlns="" val="4287986039"/>
                   </a:ext>
                 </a:extLst>
               </a:tr>
@@ -7708,7 +7833,7 @@
 </p:sld>
 </file>
 
-<file path=ppt/slides/slide24.xml><?xml version="1.0" encoding="utf-8"?>
+<file path=ppt/slides/slide23.xml><?xml version="1.0" encoding="utf-8"?>
 <p:sld xmlns:a="http://schemas.openxmlformats.org/drawingml/2006/main" xmlns:r="http://schemas.openxmlformats.org/officeDocument/2006/relationships" xmlns:p="http://schemas.openxmlformats.org/presentationml/2006/main">
   <p:cSld>
     <p:spTree>
@@ -7744,7 +7869,6 @@
               <a:rPr lang="en-US" dirty="0"/>
               <a:t>Combination1 on small dataset </a:t>
             </a:r>
-            <a:endParaRPr lang="en-US" dirty="0"/>
           </a:p>
         </p:txBody>
       </p:sp>
@@ -7822,7 +7946,7 @@
 </p:sld>
 </file>
 
-<file path=ppt/slides/slide25.xml><?xml version="1.0" encoding="utf-8"?>
+<file path=ppt/slides/slide24.xml><?xml version="1.0" encoding="utf-8"?>
 <p:sld xmlns:a="http://schemas.openxmlformats.org/drawingml/2006/main" xmlns:r="http://schemas.openxmlformats.org/officeDocument/2006/relationships" xmlns:p="http://schemas.openxmlformats.org/presentationml/2006/main">
   <p:cSld>
     <p:spTree>
@@ -7858,7 +7982,6 @@
               <a:rPr lang="en-US" dirty="0"/>
               <a:t>Combination2 on small dataset </a:t>
             </a:r>
-            <a:endParaRPr lang="en-US" dirty="0"/>
           </a:p>
         </p:txBody>
       </p:sp>
@@ -7952,56 +8075,56 @@
                 <a:gridCol w="868219">
                   <a:extLst>
                     <a:ext uri="{9D8B030D-6E8A-4147-A177-3AD203B41FA5}">
-                      <a16:colId xmlns:a16="http://schemas.microsoft.com/office/drawing/2014/main" val="3064537587"/>
+                      <a16:colId xmlns:a16="http://schemas.microsoft.com/office/drawing/2014/main" xmlns="" val="3064537587"/>
                     </a:ext>
                   </a:extLst>
                 </a:gridCol>
                 <a:gridCol w="1638413">
                   <a:extLst>
                     <a:ext uri="{9D8B030D-6E8A-4147-A177-3AD203B41FA5}">
-                      <a16:colId xmlns:a16="http://schemas.microsoft.com/office/drawing/2014/main" val="4293890241"/>
+                      <a16:colId xmlns:a16="http://schemas.microsoft.com/office/drawing/2014/main" xmlns="" val="4293890241"/>
                     </a:ext>
                   </a:extLst>
                 </a:gridCol>
                 <a:gridCol w="1415224">
                   <a:extLst>
                     <a:ext uri="{9D8B030D-6E8A-4147-A177-3AD203B41FA5}">
-                      <a16:colId xmlns:a16="http://schemas.microsoft.com/office/drawing/2014/main" val="2903143771"/>
+                      <a16:colId xmlns:a16="http://schemas.microsoft.com/office/drawing/2014/main" xmlns="" val="2903143771"/>
                     </a:ext>
                   </a:extLst>
                 </a:gridCol>
                 <a:gridCol w="1205982">
                   <a:extLst>
                     <a:ext uri="{9D8B030D-6E8A-4147-A177-3AD203B41FA5}">
-                      <a16:colId xmlns:a16="http://schemas.microsoft.com/office/drawing/2014/main" val="2597123010"/>
+                      <a16:colId xmlns:a16="http://schemas.microsoft.com/office/drawing/2014/main" xmlns="" val="2597123010"/>
                     </a:ext>
                   </a:extLst>
                 </a:gridCol>
                 <a:gridCol w="1582398">
                   <a:extLst>
                     <a:ext uri="{9D8B030D-6E8A-4147-A177-3AD203B41FA5}">
-                      <a16:colId xmlns:a16="http://schemas.microsoft.com/office/drawing/2014/main" val="1307009200"/>
+                      <a16:colId xmlns:a16="http://schemas.microsoft.com/office/drawing/2014/main" xmlns="" val="1307009200"/>
                     </a:ext>
                   </a:extLst>
                 </a:gridCol>
                 <a:gridCol w="1270502">
                   <a:extLst>
                     <a:ext uri="{9D8B030D-6E8A-4147-A177-3AD203B41FA5}">
-                      <a16:colId xmlns:a16="http://schemas.microsoft.com/office/drawing/2014/main" val="871632675"/>
+                      <a16:colId xmlns:a16="http://schemas.microsoft.com/office/drawing/2014/main" xmlns="" val="871632675"/>
                     </a:ext>
                   </a:extLst>
                 </a:gridCol>
                 <a:gridCol w="1022258">
                   <a:extLst>
                     <a:ext uri="{9D8B030D-6E8A-4147-A177-3AD203B41FA5}">
-                      <a16:colId xmlns:a16="http://schemas.microsoft.com/office/drawing/2014/main" val="2554017257"/>
+                      <a16:colId xmlns:a16="http://schemas.microsoft.com/office/drawing/2014/main" xmlns="" val="2554017257"/>
                     </a:ext>
                   </a:extLst>
                 </a:gridCol>
                 <a:gridCol w="1143197">
                   <a:extLst>
                     <a:ext uri="{9D8B030D-6E8A-4147-A177-3AD203B41FA5}">
-                      <a16:colId xmlns:a16="http://schemas.microsoft.com/office/drawing/2014/main" val="2817869679"/>
+                      <a16:colId xmlns:a16="http://schemas.microsoft.com/office/drawing/2014/main" xmlns="" val="2817869679"/>
                     </a:ext>
                   </a:extLst>
                 </a:gridCol>
@@ -8265,7 +8388,7 @@
                 </a:tc>
                 <a:extLst>
                   <a:ext uri="{0D108BD9-81ED-4DB2-BD59-A6C34878D82A}">
-                    <a16:rowId xmlns:a16="http://schemas.microsoft.com/office/drawing/2014/main" val="3770284123"/>
+                    <a16:rowId xmlns:a16="http://schemas.microsoft.com/office/drawing/2014/main" xmlns="" val="3770284123"/>
                   </a:ext>
                 </a:extLst>
               </a:tr>
@@ -8538,7 +8661,7 @@
                 </a:tc>
                 <a:extLst>
                   <a:ext uri="{0D108BD9-81ED-4DB2-BD59-A6C34878D82A}">
-                    <a16:rowId xmlns:a16="http://schemas.microsoft.com/office/drawing/2014/main" val="4287986039"/>
+                    <a16:rowId xmlns:a16="http://schemas.microsoft.com/office/drawing/2014/main" xmlns="" val="4287986039"/>
                   </a:ext>
                 </a:extLst>
               </a:tr>
@@ -8559,7 +8682,7 @@
 </p:sld>
 </file>
 
-<file path=ppt/slides/slide26.xml><?xml version="1.0" encoding="utf-8"?>
+<file path=ppt/slides/slide25.xml><?xml version="1.0" encoding="utf-8"?>
 <p:sld xmlns:a="http://schemas.openxmlformats.org/drawingml/2006/main" xmlns:r="http://schemas.openxmlformats.org/officeDocument/2006/relationships" xmlns:p="http://schemas.openxmlformats.org/presentationml/2006/main">
   <p:cSld>
     <p:spTree>
@@ -8595,7 +8718,6 @@
               <a:rPr lang="en-US" dirty="0"/>
               <a:t>Combination2 on small dataset </a:t>
             </a:r>
-            <a:endParaRPr lang="en-US" dirty="0"/>
           </a:p>
         </p:txBody>
       </p:sp>
@@ -8673,7 +8795,7 @@
 </p:sld>
 </file>
 
-<file path=ppt/slides/slide27.xml><?xml version="1.0" encoding="utf-8"?>
+<file path=ppt/slides/slide26.xml><?xml version="1.0" encoding="utf-8"?>
 <p:sld xmlns:a="http://schemas.openxmlformats.org/drawingml/2006/main" xmlns:r="http://schemas.openxmlformats.org/officeDocument/2006/relationships" xmlns:p="http://schemas.openxmlformats.org/presentationml/2006/main">
   <p:cSld>
     <p:spTree>
@@ -8709,7 +8831,6 @@
               <a:rPr lang="en-US" dirty="0"/>
               <a:t>Combination3 on small dataset </a:t>
             </a:r>
-            <a:endParaRPr lang="en-US" dirty="0"/>
           </a:p>
         </p:txBody>
       </p:sp>
@@ -8803,56 +8924,56 @@
                 <a:gridCol w="868219">
                   <a:extLst>
                     <a:ext uri="{9D8B030D-6E8A-4147-A177-3AD203B41FA5}">
-                      <a16:colId xmlns:a16="http://schemas.microsoft.com/office/drawing/2014/main" val="3064537587"/>
+                      <a16:colId xmlns:a16="http://schemas.microsoft.com/office/drawing/2014/main" xmlns="" val="3064537587"/>
                     </a:ext>
                   </a:extLst>
                 </a:gridCol>
                 <a:gridCol w="1638413">
                   <a:extLst>
                     <a:ext uri="{9D8B030D-6E8A-4147-A177-3AD203B41FA5}">
-                      <a16:colId xmlns:a16="http://schemas.microsoft.com/office/drawing/2014/main" val="4293890241"/>
+                      <a16:colId xmlns:a16="http://schemas.microsoft.com/office/drawing/2014/main" xmlns="" val="4293890241"/>
                     </a:ext>
                   </a:extLst>
                 </a:gridCol>
                 <a:gridCol w="1415224">
                   <a:extLst>
                     <a:ext uri="{9D8B030D-6E8A-4147-A177-3AD203B41FA5}">
-                      <a16:colId xmlns:a16="http://schemas.microsoft.com/office/drawing/2014/main" val="2903143771"/>
+                      <a16:colId xmlns:a16="http://schemas.microsoft.com/office/drawing/2014/main" xmlns="" val="2903143771"/>
                     </a:ext>
                   </a:extLst>
                 </a:gridCol>
                 <a:gridCol w="1205982">
                   <a:extLst>
                     <a:ext uri="{9D8B030D-6E8A-4147-A177-3AD203B41FA5}">
-                      <a16:colId xmlns:a16="http://schemas.microsoft.com/office/drawing/2014/main" val="2597123010"/>
+                      <a16:colId xmlns:a16="http://schemas.microsoft.com/office/drawing/2014/main" xmlns="" val="2597123010"/>
                     </a:ext>
                   </a:extLst>
                 </a:gridCol>
                 <a:gridCol w="1582398">
                   <a:extLst>
                     <a:ext uri="{9D8B030D-6E8A-4147-A177-3AD203B41FA5}">
-                      <a16:colId xmlns:a16="http://schemas.microsoft.com/office/drawing/2014/main" val="1307009200"/>
+                      <a16:colId xmlns:a16="http://schemas.microsoft.com/office/drawing/2014/main" xmlns="" val="1307009200"/>
                     </a:ext>
                   </a:extLst>
                 </a:gridCol>
                 <a:gridCol w="1270502">
                   <a:extLst>
                     <a:ext uri="{9D8B030D-6E8A-4147-A177-3AD203B41FA5}">
-                      <a16:colId xmlns:a16="http://schemas.microsoft.com/office/drawing/2014/main" val="871632675"/>
+                      <a16:colId xmlns:a16="http://schemas.microsoft.com/office/drawing/2014/main" xmlns="" val="871632675"/>
                     </a:ext>
                   </a:extLst>
                 </a:gridCol>
                 <a:gridCol w="1022258">
                   <a:extLst>
                     <a:ext uri="{9D8B030D-6E8A-4147-A177-3AD203B41FA5}">
-                      <a16:colId xmlns:a16="http://schemas.microsoft.com/office/drawing/2014/main" val="2554017257"/>
+                      <a16:colId xmlns:a16="http://schemas.microsoft.com/office/drawing/2014/main" xmlns="" val="2554017257"/>
                     </a:ext>
                   </a:extLst>
                 </a:gridCol>
                 <a:gridCol w="1143197">
                   <a:extLst>
                     <a:ext uri="{9D8B030D-6E8A-4147-A177-3AD203B41FA5}">
-                      <a16:colId xmlns:a16="http://schemas.microsoft.com/office/drawing/2014/main" val="2817869679"/>
+                      <a16:colId xmlns:a16="http://schemas.microsoft.com/office/drawing/2014/main" xmlns="" val="2817869679"/>
                     </a:ext>
                   </a:extLst>
                 </a:gridCol>
@@ -9116,7 +9237,7 @@
                 </a:tc>
                 <a:extLst>
                   <a:ext uri="{0D108BD9-81ED-4DB2-BD59-A6C34878D82A}">
-                    <a16:rowId xmlns:a16="http://schemas.microsoft.com/office/drawing/2014/main" val="3770284123"/>
+                    <a16:rowId xmlns:a16="http://schemas.microsoft.com/office/drawing/2014/main" xmlns="" val="3770284123"/>
                   </a:ext>
                 </a:extLst>
               </a:tr>
@@ -9393,7 +9514,7 @@
                 </a:tc>
                 <a:extLst>
                   <a:ext uri="{0D108BD9-81ED-4DB2-BD59-A6C34878D82A}">
-                    <a16:rowId xmlns:a16="http://schemas.microsoft.com/office/drawing/2014/main" val="4287986039"/>
+                    <a16:rowId xmlns:a16="http://schemas.microsoft.com/office/drawing/2014/main" xmlns="" val="4287986039"/>
                   </a:ext>
                 </a:extLst>
               </a:tr>
@@ -9414,7 +9535,7 @@
 </p:sld>
 </file>
 
-<file path=ppt/slides/slide28.xml><?xml version="1.0" encoding="utf-8"?>
+<file path=ppt/slides/slide27.xml><?xml version="1.0" encoding="utf-8"?>
 <p:sld xmlns:a="http://schemas.openxmlformats.org/drawingml/2006/main" xmlns:r="http://schemas.openxmlformats.org/officeDocument/2006/relationships" xmlns:p="http://schemas.openxmlformats.org/presentationml/2006/main">
   <p:cSld>
     <p:spTree>
@@ -9450,7 +9571,6 @@
               <a:rPr lang="en-US" dirty="0"/>
               <a:t>Combination3 on small dataset </a:t>
             </a:r>
-            <a:endParaRPr lang="en-US" dirty="0"/>
           </a:p>
         </p:txBody>
       </p:sp>
@@ -9538,7 +9658,7 @@
 </p:sld>
 </file>
 
-<file path=ppt/slides/slide29.xml><?xml version="1.0" encoding="utf-8"?>
+<file path=ppt/slides/slide28.xml><?xml version="1.0" encoding="utf-8"?>
 <p:sld xmlns:a="http://schemas.openxmlformats.org/drawingml/2006/main" xmlns:r="http://schemas.openxmlformats.org/officeDocument/2006/relationships" xmlns:p="http://schemas.openxmlformats.org/presentationml/2006/main">
   <p:cSld>
     <p:spTree>
@@ -9574,7 +9694,6 @@
               <a:rPr lang="en-US" dirty="0"/>
               <a:t>Combination1 on large dataset </a:t>
             </a:r>
-            <a:endParaRPr lang="en-US" dirty="0"/>
           </a:p>
         </p:txBody>
       </p:sp>
@@ -9665,56 +9784,56 @@
                 <a:gridCol w="868219">
                   <a:extLst>
                     <a:ext uri="{9D8B030D-6E8A-4147-A177-3AD203B41FA5}">
-                      <a16:colId xmlns:a16="http://schemas.microsoft.com/office/drawing/2014/main" val="3064537587"/>
+                      <a16:colId xmlns:a16="http://schemas.microsoft.com/office/drawing/2014/main" xmlns="" val="3064537587"/>
                     </a:ext>
                   </a:extLst>
                 </a:gridCol>
                 <a:gridCol w="1638413">
                   <a:extLst>
                     <a:ext uri="{9D8B030D-6E8A-4147-A177-3AD203B41FA5}">
-                      <a16:colId xmlns:a16="http://schemas.microsoft.com/office/drawing/2014/main" val="4293890241"/>
+                      <a16:colId xmlns:a16="http://schemas.microsoft.com/office/drawing/2014/main" xmlns="" val="4293890241"/>
                     </a:ext>
                   </a:extLst>
                 </a:gridCol>
                 <a:gridCol w="1341793">
                   <a:extLst>
                     <a:ext uri="{9D8B030D-6E8A-4147-A177-3AD203B41FA5}">
-                      <a16:colId xmlns:a16="http://schemas.microsoft.com/office/drawing/2014/main" val="2903143771"/>
+                      <a16:colId xmlns:a16="http://schemas.microsoft.com/office/drawing/2014/main" xmlns="" val="2903143771"/>
                     </a:ext>
                   </a:extLst>
                 </a:gridCol>
                 <a:gridCol w="1279413">
                   <a:extLst>
                     <a:ext uri="{9D8B030D-6E8A-4147-A177-3AD203B41FA5}">
-                      <a16:colId xmlns:a16="http://schemas.microsoft.com/office/drawing/2014/main" val="2597123010"/>
+                      <a16:colId xmlns:a16="http://schemas.microsoft.com/office/drawing/2014/main" xmlns="" val="2597123010"/>
                     </a:ext>
                   </a:extLst>
                 </a:gridCol>
                 <a:gridCol w="1582398">
                   <a:extLst>
                     <a:ext uri="{9D8B030D-6E8A-4147-A177-3AD203B41FA5}">
-                      <a16:colId xmlns:a16="http://schemas.microsoft.com/office/drawing/2014/main" val="1307009200"/>
+                      <a16:colId xmlns:a16="http://schemas.microsoft.com/office/drawing/2014/main" xmlns="" val="1307009200"/>
                     </a:ext>
                   </a:extLst>
                 </a:gridCol>
                 <a:gridCol w="1270502">
                   <a:extLst>
                     <a:ext uri="{9D8B030D-6E8A-4147-A177-3AD203B41FA5}">
-                      <a16:colId xmlns:a16="http://schemas.microsoft.com/office/drawing/2014/main" val="871632675"/>
+                      <a16:colId xmlns:a16="http://schemas.microsoft.com/office/drawing/2014/main" xmlns="" val="871632675"/>
                     </a:ext>
                   </a:extLst>
                 </a:gridCol>
                 <a:gridCol w="1022258">
                   <a:extLst>
                     <a:ext uri="{9D8B030D-6E8A-4147-A177-3AD203B41FA5}">
-                      <a16:colId xmlns:a16="http://schemas.microsoft.com/office/drawing/2014/main" val="2554017257"/>
+                      <a16:colId xmlns:a16="http://schemas.microsoft.com/office/drawing/2014/main" xmlns="" val="2554017257"/>
                     </a:ext>
                   </a:extLst>
                 </a:gridCol>
                 <a:gridCol w="1143197">
                   <a:extLst>
                     <a:ext uri="{9D8B030D-6E8A-4147-A177-3AD203B41FA5}">
-                      <a16:colId xmlns:a16="http://schemas.microsoft.com/office/drawing/2014/main" val="2817869679"/>
+                      <a16:colId xmlns:a16="http://schemas.microsoft.com/office/drawing/2014/main" xmlns="" val="2817869679"/>
                     </a:ext>
                   </a:extLst>
                 </a:gridCol>
@@ -9978,7 +10097,7 @@
                 </a:tc>
                 <a:extLst>
                   <a:ext uri="{0D108BD9-81ED-4DB2-BD59-A6C34878D82A}">
-                    <a16:rowId xmlns:a16="http://schemas.microsoft.com/office/drawing/2014/main" val="3770284123"/>
+                    <a16:rowId xmlns:a16="http://schemas.microsoft.com/office/drawing/2014/main" xmlns="" val="3770284123"/>
                   </a:ext>
                 </a:extLst>
               </a:tr>
@@ -10241,7 +10360,7 @@
                 </a:tc>
                 <a:extLst>
                   <a:ext uri="{0D108BD9-81ED-4DB2-BD59-A6C34878D82A}">
-                    <a16:rowId xmlns:a16="http://schemas.microsoft.com/office/drawing/2014/main" val="4287986039"/>
+                    <a16:rowId xmlns:a16="http://schemas.microsoft.com/office/drawing/2014/main" xmlns="" val="4287986039"/>
                   </a:ext>
                 </a:extLst>
               </a:tr>
@@ -10262,7 +10381,7 @@
 </p:sld>
 </file>
 
-<file path=ppt/slides/slide3.xml><?xml version="1.0" encoding="utf-8"?>
+<file path=ppt/slides/slide29.xml><?xml version="1.0" encoding="utf-8"?>
 <p:sld xmlns:a="http://schemas.openxmlformats.org/drawingml/2006/main" xmlns:r="http://schemas.openxmlformats.org/officeDocument/2006/relationships" xmlns:p="http://schemas.openxmlformats.org/presentationml/2006/main">
   <p:cSld>
     <p:spTree>
@@ -10296,97 +10415,8 @@
           <a:p>
             <a:r>
               <a:rPr lang="en-US" dirty="0"/>
-              <a:t>The KDD Cup 2009</a:t>
-            </a:r>
-            <a:endParaRPr lang="en-US" dirty="0"/>
-          </a:p>
-        </p:txBody>
-      </p:sp>
-      <p:sp>
-        <p:nvSpPr>
-          <p:cNvPr id="3" name="Content Placeholder 2"/>
-          <p:cNvSpPr>
-            <a:spLocks noGrp="1"/>
-          </p:cNvSpPr>
-          <p:nvPr>
-            <p:ph idx="1"/>
-          </p:nvPr>
-        </p:nvSpPr>
-        <p:spPr/>
-        <p:txBody>
-          <a:bodyPr/>
-          <a:lstStyle/>
-          <a:p>
-            <a:r>
-              <a:rPr lang="en-US" dirty="0"/>
-              <a:t>The KDD Cup 2009 offers the opportunity to work on large marketing databases from the French Telecom company Orange </a:t>
-            </a:r>
-          </a:p>
-          <a:p>
-            <a:r>
-              <a:rPr lang="en-US" dirty="0"/>
-              <a:t>An industrial customer analysis platform able to build prediction models with a very large number of input variables has been developed by Orange Labs. </a:t>
-            </a:r>
-          </a:p>
-          <a:p>
-            <a:r>
-              <a:rPr lang="en-US" dirty="0"/>
-              <a:t>The challenge is to beat the in-house system developed by Orange Labs. </a:t>
-            </a:r>
-            <a:endParaRPr lang="en-US" dirty="0"/>
-          </a:p>
-        </p:txBody>
-      </p:sp>
-    </p:spTree>
-    <p:extLst>
-      <p:ext uri="{BB962C8B-B14F-4D97-AF65-F5344CB8AC3E}">
-        <p14:creationId xmlns:p14="http://schemas.microsoft.com/office/powerpoint/2010/main" val="2878605077"/>
-      </p:ext>
-    </p:extLst>
-  </p:cSld>
-  <p:clrMapOvr>
-    <a:masterClrMapping/>
-  </p:clrMapOvr>
-</p:sld>
-</file>
-
-<file path=ppt/slides/slide30.xml><?xml version="1.0" encoding="utf-8"?>
-<p:sld xmlns:a="http://schemas.openxmlformats.org/drawingml/2006/main" xmlns:r="http://schemas.openxmlformats.org/officeDocument/2006/relationships" xmlns:p="http://schemas.openxmlformats.org/presentationml/2006/main">
-  <p:cSld>
-    <p:spTree>
-      <p:nvGrpSpPr>
-        <p:cNvPr id="1" name=""/>
-        <p:cNvGrpSpPr/>
-        <p:nvPr/>
-      </p:nvGrpSpPr>
-      <p:grpSpPr>
-        <a:xfrm>
-          <a:off x="0" y="0"/>
-          <a:ext cx="0" cy="0"/>
-          <a:chOff x="0" y="0"/>
-          <a:chExt cx="0" cy="0"/>
-        </a:xfrm>
-      </p:grpSpPr>
-      <p:sp>
-        <p:nvSpPr>
-          <p:cNvPr id="2" name="Title 1"/>
-          <p:cNvSpPr>
-            <a:spLocks noGrp="1"/>
-          </p:cNvSpPr>
-          <p:nvPr>
-            <p:ph type="title"/>
-          </p:nvPr>
-        </p:nvSpPr>
-        <p:spPr/>
-        <p:txBody>
-          <a:bodyPr/>
-          <a:lstStyle/>
-          <a:p>
-            <a:r>
-              <a:rPr lang="en-US" dirty="0"/>
               <a:t>Combination1 on large dataset </a:t>
             </a:r>
-            <a:endParaRPr lang="en-US" dirty="0"/>
           </a:p>
         </p:txBody>
       </p:sp>
@@ -10480,7 +10510,7 @@
 </p:sld>
 </file>
 
-<file path=ppt/slides/slide31.xml><?xml version="1.0" encoding="utf-8"?>
+<file path=ppt/slides/slide3.xml><?xml version="1.0" encoding="utf-8"?>
 <p:sld xmlns:a="http://schemas.openxmlformats.org/drawingml/2006/main" xmlns:r="http://schemas.openxmlformats.org/officeDocument/2006/relationships" xmlns:p="http://schemas.openxmlformats.org/presentationml/2006/main">
   <p:cSld>
     <p:spTree>
@@ -10514,9 +10544,94 @@
           <a:p>
             <a:r>
               <a:rPr lang="en-US" dirty="0"/>
+              <a:t>The KDD Cup 2009</a:t>
+            </a:r>
+          </a:p>
+        </p:txBody>
+      </p:sp>
+      <p:sp>
+        <p:nvSpPr>
+          <p:cNvPr id="3" name="Content Placeholder 2"/>
+          <p:cNvSpPr>
+            <a:spLocks noGrp="1"/>
+          </p:cNvSpPr>
+          <p:nvPr>
+            <p:ph idx="1"/>
+          </p:nvPr>
+        </p:nvSpPr>
+        <p:spPr/>
+        <p:txBody>
+          <a:bodyPr/>
+          <a:lstStyle/>
+          <a:p>
+            <a:r>
+              <a:rPr lang="en-US" dirty="0"/>
+              <a:t>The KDD Cup 2009 offers the opportunity to work on large marketing databases from the French Telecom company Orange </a:t>
+            </a:r>
+          </a:p>
+          <a:p>
+            <a:r>
+              <a:rPr lang="en-US" dirty="0"/>
+              <a:t>An industrial customer analysis platform able to build prediction models with a very large number of input variables has been developed by Orange Labs. </a:t>
+            </a:r>
+          </a:p>
+          <a:p>
+            <a:r>
+              <a:rPr lang="en-US" dirty="0"/>
+              <a:t>The challenge is to beat the in-house system developed by Orange Labs. </a:t>
+            </a:r>
+          </a:p>
+        </p:txBody>
+      </p:sp>
+    </p:spTree>
+    <p:extLst>
+      <p:ext uri="{BB962C8B-B14F-4D97-AF65-F5344CB8AC3E}">
+        <p14:creationId xmlns:p14="http://schemas.microsoft.com/office/powerpoint/2010/main" val="2878605077"/>
+      </p:ext>
+    </p:extLst>
+  </p:cSld>
+  <p:clrMapOvr>
+    <a:masterClrMapping/>
+  </p:clrMapOvr>
+</p:sld>
+</file>
+
+<file path=ppt/slides/slide30.xml><?xml version="1.0" encoding="utf-8"?>
+<p:sld xmlns:a="http://schemas.openxmlformats.org/drawingml/2006/main" xmlns:r="http://schemas.openxmlformats.org/officeDocument/2006/relationships" xmlns:p="http://schemas.openxmlformats.org/presentationml/2006/main">
+  <p:cSld>
+    <p:spTree>
+      <p:nvGrpSpPr>
+        <p:cNvPr id="1" name=""/>
+        <p:cNvGrpSpPr/>
+        <p:nvPr/>
+      </p:nvGrpSpPr>
+      <p:grpSpPr>
+        <a:xfrm>
+          <a:off x="0" y="0"/>
+          <a:ext cx="0" cy="0"/>
+          <a:chOff x="0" y="0"/>
+          <a:chExt cx="0" cy="0"/>
+        </a:xfrm>
+      </p:grpSpPr>
+      <p:sp>
+        <p:nvSpPr>
+          <p:cNvPr id="2" name="Title 1"/>
+          <p:cNvSpPr>
+            <a:spLocks noGrp="1"/>
+          </p:cNvSpPr>
+          <p:nvPr>
+            <p:ph type="title"/>
+          </p:nvPr>
+        </p:nvSpPr>
+        <p:spPr/>
+        <p:txBody>
+          <a:bodyPr/>
+          <a:lstStyle/>
+          <a:p>
+            <a:r>
+              <a:rPr lang="en-US" dirty="0"/>
               <a:t>Combination2 on large dataset </a:t>
             </a:r>
-            <a:endParaRPr lang="en-US" dirty="0"/>
           </a:p>
         </p:txBody>
       </p:sp>
@@ -10607,56 +10722,56 @@
                 <a:gridCol w="868219">
                   <a:extLst>
                     <a:ext uri="{9D8B030D-6E8A-4147-A177-3AD203B41FA5}">
-                      <a16:colId xmlns:a16="http://schemas.microsoft.com/office/drawing/2014/main" val="3064537587"/>
+                      <a16:colId xmlns:a16="http://schemas.microsoft.com/office/drawing/2014/main" xmlns="" val="3064537587"/>
                     </a:ext>
                   </a:extLst>
                 </a:gridCol>
                 <a:gridCol w="1638413">
                   <a:extLst>
                     <a:ext uri="{9D8B030D-6E8A-4147-A177-3AD203B41FA5}">
-                      <a16:colId xmlns:a16="http://schemas.microsoft.com/office/drawing/2014/main" val="4293890241"/>
+                      <a16:colId xmlns:a16="http://schemas.microsoft.com/office/drawing/2014/main" xmlns="" val="4293890241"/>
                     </a:ext>
                   </a:extLst>
                 </a:gridCol>
                 <a:gridCol w="1341793">
                   <a:extLst>
                     <a:ext uri="{9D8B030D-6E8A-4147-A177-3AD203B41FA5}">
-                      <a16:colId xmlns:a16="http://schemas.microsoft.com/office/drawing/2014/main" val="2903143771"/>
+                      <a16:colId xmlns:a16="http://schemas.microsoft.com/office/drawing/2014/main" xmlns="" val="2903143771"/>
                     </a:ext>
                   </a:extLst>
                 </a:gridCol>
                 <a:gridCol w="1279413">
                   <a:extLst>
                     <a:ext uri="{9D8B030D-6E8A-4147-A177-3AD203B41FA5}">
-                      <a16:colId xmlns:a16="http://schemas.microsoft.com/office/drawing/2014/main" val="2597123010"/>
+                      <a16:colId xmlns:a16="http://schemas.microsoft.com/office/drawing/2014/main" xmlns="" val="2597123010"/>
                     </a:ext>
                   </a:extLst>
                 </a:gridCol>
                 <a:gridCol w="1582398">
                   <a:extLst>
                     <a:ext uri="{9D8B030D-6E8A-4147-A177-3AD203B41FA5}">
-                      <a16:colId xmlns:a16="http://schemas.microsoft.com/office/drawing/2014/main" val="1307009200"/>
+                      <a16:colId xmlns:a16="http://schemas.microsoft.com/office/drawing/2014/main" xmlns="" val="1307009200"/>
                     </a:ext>
                   </a:extLst>
                 </a:gridCol>
                 <a:gridCol w="1270502">
                   <a:extLst>
                     <a:ext uri="{9D8B030D-6E8A-4147-A177-3AD203B41FA5}">
-                      <a16:colId xmlns:a16="http://schemas.microsoft.com/office/drawing/2014/main" val="871632675"/>
+                      <a16:colId xmlns:a16="http://schemas.microsoft.com/office/drawing/2014/main" xmlns="" val="871632675"/>
                     </a:ext>
                   </a:extLst>
                 </a:gridCol>
                 <a:gridCol w="1022258">
                   <a:extLst>
                     <a:ext uri="{9D8B030D-6E8A-4147-A177-3AD203B41FA5}">
-                      <a16:colId xmlns:a16="http://schemas.microsoft.com/office/drawing/2014/main" val="2554017257"/>
+                      <a16:colId xmlns:a16="http://schemas.microsoft.com/office/drawing/2014/main" xmlns="" val="2554017257"/>
                     </a:ext>
                   </a:extLst>
                 </a:gridCol>
                 <a:gridCol w="1143197">
                   <a:extLst>
                     <a:ext uri="{9D8B030D-6E8A-4147-A177-3AD203B41FA5}">
-                      <a16:colId xmlns:a16="http://schemas.microsoft.com/office/drawing/2014/main" val="2817869679"/>
+                      <a16:colId xmlns:a16="http://schemas.microsoft.com/office/drawing/2014/main" xmlns="" val="2817869679"/>
                     </a:ext>
                   </a:extLst>
                 </a:gridCol>
@@ -10920,7 +11035,7 @@
                 </a:tc>
                 <a:extLst>
                   <a:ext uri="{0D108BD9-81ED-4DB2-BD59-A6C34878D82A}">
-                    <a16:rowId xmlns:a16="http://schemas.microsoft.com/office/drawing/2014/main" val="3770284123"/>
+                    <a16:rowId xmlns:a16="http://schemas.microsoft.com/office/drawing/2014/main" xmlns="" val="3770284123"/>
                   </a:ext>
                 </a:extLst>
               </a:tr>
@@ -11188,7 +11303,7 @@
                 </a:tc>
                 <a:extLst>
                   <a:ext uri="{0D108BD9-81ED-4DB2-BD59-A6C34878D82A}">
-                    <a16:rowId xmlns:a16="http://schemas.microsoft.com/office/drawing/2014/main" val="4287986039"/>
+                    <a16:rowId xmlns:a16="http://schemas.microsoft.com/office/drawing/2014/main" xmlns="" val="4287986039"/>
                   </a:ext>
                 </a:extLst>
               </a:tr>
@@ -11209,7 +11324,7 @@
 </p:sld>
 </file>
 
-<file path=ppt/slides/slide32.xml><?xml version="1.0" encoding="utf-8"?>
+<file path=ppt/slides/slide31.xml><?xml version="1.0" encoding="utf-8"?>
 <p:sld xmlns:a="http://schemas.openxmlformats.org/drawingml/2006/main" xmlns:r="http://schemas.openxmlformats.org/officeDocument/2006/relationships" xmlns:p="http://schemas.openxmlformats.org/presentationml/2006/main">
   <p:cSld>
     <p:spTree>
@@ -11245,7 +11360,6 @@
               <a:rPr lang="en-US" dirty="0"/>
               <a:t>Combination2 on large dataset </a:t>
             </a:r>
-            <a:endParaRPr lang="en-US" dirty="0"/>
           </a:p>
         </p:txBody>
       </p:sp>
@@ -11313,6 +11427,104 @@
 </p:sld>
 </file>
 
+<file path=ppt/slides/slide32.xml><?xml version="1.0" encoding="utf-8"?>
+<p:sld xmlns:a="http://schemas.openxmlformats.org/drawingml/2006/main" xmlns:r="http://schemas.openxmlformats.org/officeDocument/2006/relationships" xmlns:p="http://schemas.openxmlformats.org/presentationml/2006/main">
+  <p:cSld>
+    <p:spTree>
+      <p:nvGrpSpPr>
+        <p:cNvPr id="1" name=""/>
+        <p:cNvGrpSpPr/>
+        <p:nvPr/>
+      </p:nvGrpSpPr>
+      <p:grpSpPr>
+        <a:xfrm>
+          <a:off x="0" y="0"/>
+          <a:ext cx="0" cy="0"/>
+          <a:chOff x="0" y="0"/>
+          <a:chExt cx="0" cy="0"/>
+        </a:xfrm>
+      </p:grpSpPr>
+      <p:sp>
+        <p:nvSpPr>
+          <p:cNvPr id="5" name="Title 4"/>
+          <p:cNvSpPr>
+            <a:spLocks noGrp="1"/>
+          </p:cNvSpPr>
+          <p:nvPr>
+            <p:ph type="title"/>
+          </p:nvPr>
+        </p:nvSpPr>
+        <p:spPr/>
+        <p:txBody>
+          <a:bodyPr/>
+          <a:lstStyle/>
+          <a:p>
+            <a:r>
+              <a:rPr lang="en-US" dirty="0"/>
+              <a:t>ANN Parameter tuning</a:t>
+            </a:r>
+          </a:p>
+        </p:txBody>
+      </p:sp>
+      <p:sp>
+        <p:nvSpPr>
+          <p:cNvPr id="6" name="Content Placeholder 5"/>
+          <p:cNvSpPr>
+            <a:spLocks noGrp="1"/>
+          </p:cNvSpPr>
+          <p:nvPr>
+            <p:ph idx="1"/>
+          </p:nvPr>
+        </p:nvSpPr>
+        <p:spPr/>
+        <p:txBody>
+          <a:bodyPr/>
+          <a:lstStyle/>
+          <a:p>
+            <a:pPr marL="0" indent="0">
+              <a:buNone/>
+            </a:pPr>
+            <a:r>
+              <a:rPr lang="en-US" dirty="0"/>
+              <a:t>We found the ANN performed bad on predicting positive examples</a:t>
+            </a:r>
+          </a:p>
+          <a:p>
+            <a:pPr marL="0" indent="0">
+              <a:buNone/>
+            </a:pPr>
+            <a:r>
+              <a:rPr lang="en-US" dirty="0"/>
+              <a:t>The probable reason are:</a:t>
+            </a:r>
+          </a:p>
+          <a:p>
+            <a:r>
+              <a:rPr lang="en-US" dirty="0"/>
+              <a:t>the scarcity of positive example in the dataset (which is also one of the challenges of this dataset)</a:t>
+            </a:r>
+          </a:p>
+          <a:p>
+            <a:r>
+              <a:rPr lang="en-US" dirty="0"/>
+              <a:t>the ANN on large dataset is over-fitted.</a:t>
+            </a:r>
+          </a:p>
+        </p:txBody>
+      </p:sp>
+    </p:spTree>
+    <p:extLst>
+      <p:ext uri="{BB962C8B-B14F-4D97-AF65-F5344CB8AC3E}">
+        <p14:creationId xmlns:p14="http://schemas.microsoft.com/office/powerpoint/2010/main" val="3826647690"/>
+      </p:ext>
+    </p:extLst>
+  </p:cSld>
+  <p:clrMapOvr>
+    <a:masterClrMapping/>
+  </p:clrMapOvr>
+</p:sld>
+</file>
+
 <file path=ppt/slides/slide33.xml><?xml version="1.0" encoding="utf-8"?>
 <p:sld xmlns:a="http://schemas.openxmlformats.org/drawingml/2006/main" xmlns:r="http://schemas.openxmlformats.org/officeDocument/2006/relationships" xmlns:p="http://schemas.openxmlformats.org/presentationml/2006/main">
   <p:cSld>
@@ -11332,110 +11544,6 @@
       </p:grpSpPr>
       <p:sp>
         <p:nvSpPr>
-          <p:cNvPr id="5" name="Title 4"/>
-          <p:cNvSpPr>
-            <a:spLocks noGrp="1"/>
-          </p:cNvSpPr>
-          <p:nvPr>
-            <p:ph type="title"/>
-          </p:nvPr>
-        </p:nvSpPr>
-        <p:spPr/>
-        <p:txBody>
-          <a:bodyPr/>
-          <a:lstStyle/>
-          <a:p>
-            <a:r>
-              <a:rPr lang="en-US" dirty="0"/>
-              <a:t>ANN Parameter tuning</a:t>
-            </a:r>
-            <a:endParaRPr lang="en-US" dirty="0"/>
-          </a:p>
-        </p:txBody>
-      </p:sp>
-      <p:sp>
-        <p:nvSpPr>
-          <p:cNvPr id="6" name="Content Placeholder 5"/>
-          <p:cNvSpPr>
-            <a:spLocks noGrp="1"/>
-          </p:cNvSpPr>
-          <p:nvPr>
-            <p:ph idx="1"/>
-          </p:nvPr>
-        </p:nvSpPr>
-        <p:spPr/>
-        <p:txBody>
-          <a:bodyPr/>
-          <a:lstStyle/>
-          <a:p>
-            <a:pPr marL="0" indent="0">
-              <a:buNone/>
-            </a:pPr>
-            <a:r>
-              <a:rPr lang="en-US" dirty="0"/>
-              <a:t>We found </a:t>
-            </a:r>
-            <a:r>
-              <a:rPr lang="en-US" dirty="0"/>
-              <a:t>the ANN performed bad on predicting positive examples</a:t>
-            </a:r>
-          </a:p>
-          <a:p>
-            <a:pPr marL="0" indent="0">
-              <a:buNone/>
-            </a:pPr>
-            <a:r>
-              <a:rPr lang="en-US" dirty="0"/>
-              <a:t>The probable reason are:</a:t>
-            </a:r>
-          </a:p>
-          <a:p>
-            <a:r>
-              <a:rPr lang="en-US" dirty="0"/>
-              <a:t>the scarcity of positive example in the dataset (which is also one of the challenges of this dataset)</a:t>
-            </a:r>
-          </a:p>
-          <a:p>
-            <a:r>
-              <a:rPr lang="en-US" dirty="0"/>
-              <a:t>the ANN on large dataset is over-fitted.</a:t>
-            </a:r>
-            <a:endParaRPr lang="en-US" dirty="0"/>
-          </a:p>
-        </p:txBody>
-      </p:sp>
-    </p:spTree>
-    <p:extLst>
-      <p:ext uri="{BB962C8B-B14F-4D97-AF65-F5344CB8AC3E}">
-        <p14:creationId xmlns:p14="http://schemas.microsoft.com/office/powerpoint/2010/main" val="3826647690"/>
-      </p:ext>
-    </p:extLst>
-  </p:cSld>
-  <p:clrMapOvr>
-    <a:masterClrMapping/>
-  </p:clrMapOvr>
-</p:sld>
-</file>
-
-<file path=ppt/slides/slide34.xml><?xml version="1.0" encoding="utf-8"?>
-<p:sld xmlns:a="http://schemas.openxmlformats.org/drawingml/2006/main" xmlns:r="http://schemas.openxmlformats.org/officeDocument/2006/relationships" xmlns:p="http://schemas.openxmlformats.org/presentationml/2006/main">
-  <p:cSld>
-    <p:spTree>
-      <p:nvGrpSpPr>
-        <p:cNvPr id="1" name=""/>
-        <p:cNvGrpSpPr/>
-        <p:nvPr/>
-      </p:nvGrpSpPr>
-      <p:grpSpPr>
-        <a:xfrm>
-          <a:off x="0" y="0"/>
-          <a:ext cx="0" cy="0"/>
-          <a:chOff x="0" y="0"/>
-          <a:chExt cx="0" cy="0"/>
-        </a:xfrm>
-      </p:grpSpPr>
-      <p:sp>
-        <p:nvSpPr>
           <p:cNvPr id="2" name="Title 1"/>
           <p:cNvSpPr>
             <a:spLocks noGrp="1"/>
@@ -11453,7 +11561,6 @@
               <a:rPr lang="en-US" dirty="0"/>
               <a:t>Rearranged the small dataset</a:t>
             </a:r>
-            <a:endParaRPr lang="en-US" dirty="0"/>
           </a:p>
         </p:txBody>
       </p:sp>
@@ -11525,56 +11632,56 @@
                 <a:gridCol w="868219">
                   <a:extLst>
                     <a:ext uri="{9D8B030D-6E8A-4147-A177-3AD203B41FA5}">
-                      <a16:colId xmlns:a16="http://schemas.microsoft.com/office/drawing/2014/main" val="3064537587"/>
+                      <a16:colId xmlns:a16="http://schemas.microsoft.com/office/drawing/2014/main" xmlns="" val="3064537587"/>
                     </a:ext>
                   </a:extLst>
                 </a:gridCol>
                 <a:gridCol w="1638413">
                   <a:extLst>
                     <a:ext uri="{9D8B030D-6E8A-4147-A177-3AD203B41FA5}">
-                      <a16:colId xmlns:a16="http://schemas.microsoft.com/office/drawing/2014/main" val="4293890241"/>
+                      <a16:colId xmlns:a16="http://schemas.microsoft.com/office/drawing/2014/main" xmlns="" val="4293890241"/>
                     </a:ext>
                   </a:extLst>
                 </a:gridCol>
                 <a:gridCol w="1341793">
                   <a:extLst>
                     <a:ext uri="{9D8B030D-6E8A-4147-A177-3AD203B41FA5}">
-                      <a16:colId xmlns:a16="http://schemas.microsoft.com/office/drawing/2014/main" val="2903143771"/>
+                      <a16:colId xmlns:a16="http://schemas.microsoft.com/office/drawing/2014/main" xmlns="" val="2903143771"/>
                     </a:ext>
                   </a:extLst>
                 </a:gridCol>
                 <a:gridCol w="1279413">
                   <a:extLst>
                     <a:ext uri="{9D8B030D-6E8A-4147-A177-3AD203B41FA5}">
-                      <a16:colId xmlns:a16="http://schemas.microsoft.com/office/drawing/2014/main" val="2597123010"/>
+                      <a16:colId xmlns:a16="http://schemas.microsoft.com/office/drawing/2014/main" xmlns="" val="2597123010"/>
                     </a:ext>
                   </a:extLst>
                 </a:gridCol>
                 <a:gridCol w="1582398">
                   <a:extLst>
                     <a:ext uri="{9D8B030D-6E8A-4147-A177-3AD203B41FA5}">
-                      <a16:colId xmlns:a16="http://schemas.microsoft.com/office/drawing/2014/main" val="1307009200"/>
+                      <a16:colId xmlns:a16="http://schemas.microsoft.com/office/drawing/2014/main" xmlns="" val="1307009200"/>
                     </a:ext>
                   </a:extLst>
                 </a:gridCol>
                 <a:gridCol w="1270502">
                   <a:extLst>
                     <a:ext uri="{9D8B030D-6E8A-4147-A177-3AD203B41FA5}">
-                      <a16:colId xmlns:a16="http://schemas.microsoft.com/office/drawing/2014/main" val="871632675"/>
+                      <a16:colId xmlns:a16="http://schemas.microsoft.com/office/drawing/2014/main" xmlns="" val="871632675"/>
                     </a:ext>
                   </a:extLst>
                 </a:gridCol>
                 <a:gridCol w="1022258">
                   <a:extLst>
                     <a:ext uri="{9D8B030D-6E8A-4147-A177-3AD203B41FA5}">
-                      <a16:colId xmlns:a16="http://schemas.microsoft.com/office/drawing/2014/main" val="2554017257"/>
+                      <a16:colId xmlns:a16="http://schemas.microsoft.com/office/drawing/2014/main" xmlns="" val="2554017257"/>
                     </a:ext>
                   </a:extLst>
                 </a:gridCol>
                 <a:gridCol w="1143197">
                   <a:extLst>
                     <a:ext uri="{9D8B030D-6E8A-4147-A177-3AD203B41FA5}">
-                      <a16:colId xmlns:a16="http://schemas.microsoft.com/office/drawing/2014/main" val="2817869679"/>
+                      <a16:colId xmlns:a16="http://schemas.microsoft.com/office/drawing/2014/main" xmlns="" val="2817869679"/>
                     </a:ext>
                   </a:extLst>
                 </a:gridCol>
@@ -11838,7 +11945,7 @@
                 </a:tc>
                 <a:extLst>
                   <a:ext uri="{0D108BD9-81ED-4DB2-BD59-A6C34878D82A}">
-                    <a16:rowId xmlns:a16="http://schemas.microsoft.com/office/drawing/2014/main" val="3770284123"/>
+                    <a16:rowId xmlns:a16="http://schemas.microsoft.com/office/drawing/2014/main" xmlns="" val="3770284123"/>
                   </a:ext>
                 </a:extLst>
               </a:tr>
@@ -12101,7 +12208,7 @@
                 </a:tc>
                 <a:extLst>
                   <a:ext uri="{0D108BD9-81ED-4DB2-BD59-A6C34878D82A}">
-                    <a16:rowId xmlns:a16="http://schemas.microsoft.com/office/drawing/2014/main" val="4287986039"/>
+                    <a16:rowId xmlns:a16="http://schemas.microsoft.com/office/drawing/2014/main" xmlns="" val="4287986039"/>
                   </a:ext>
                 </a:extLst>
               </a:tr>
@@ -12122,7 +12229,7 @@
 </p:sld>
 </file>
 
-<file path=ppt/slides/slide35.xml><?xml version="1.0" encoding="utf-8"?>
+<file path=ppt/slides/slide34.xml><?xml version="1.0" encoding="utf-8"?>
 <p:sld xmlns:a="http://schemas.openxmlformats.org/drawingml/2006/main" xmlns:r="http://schemas.openxmlformats.org/officeDocument/2006/relationships" xmlns:p="http://schemas.openxmlformats.org/presentationml/2006/main">
   <p:cSld>
     <p:spTree>
@@ -12158,7 +12265,6 @@
               <a:rPr lang="en-US" dirty="0"/>
               <a:t>Rearranged the small dataset</a:t>
             </a:r>
-            <a:endParaRPr lang="en-US" dirty="0"/>
           </a:p>
         </p:txBody>
       </p:sp>
@@ -12186,7 +12292,6 @@
               <a:rPr lang="en-US" dirty="0"/>
               <a:t>As shown, training accuracy is much higher than testing. It’s over-fitted.</a:t>
             </a:r>
-            <a:endParaRPr lang="en-US" dirty="0"/>
           </a:p>
         </p:txBody>
       </p:sp>
@@ -12238,7 +12343,7 @@
 </p:sld>
 </file>
 
-<file path=ppt/slides/slide36.xml><?xml version="1.0" encoding="utf-8"?>
+<file path=ppt/slides/slide35.xml><?xml version="1.0" encoding="utf-8"?>
 <p:sld xmlns:a="http://schemas.openxmlformats.org/drawingml/2006/main" xmlns:r="http://schemas.openxmlformats.org/officeDocument/2006/relationships" xmlns:p="http://schemas.openxmlformats.org/presentationml/2006/main">
   <p:cSld>
     <p:spTree>
@@ -12274,7 +12379,6 @@
               <a:rPr lang="en-US" dirty="0"/>
               <a:t>Tuning code on small dataset</a:t>
             </a:r>
-            <a:endParaRPr lang="en-US" dirty="0"/>
           </a:p>
         </p:txBody>
       </p:sp>
@@ -12363,6 +12467,77 @@
 </p:sld>
 </file>
 
+<file path=ppt/slides/slide36.xml><?xml version="1.0" encoding="utf-8"?>
+<p:sld xmlns:a="http://schemas.openxmlformats.org/drawingml/2006/main" xmlns:r="http://schemas.openxmlformats.org/officeDocument/2006/relationships" xmlns:p="http://schemas.openxmlformats.org/presentationml/2006/main">
+  <p:cSld>
+    <p:spTree>
+      <p:nvGrpSpPr>
+        <p:cNvPr id="1" name=""/>
+        <p:cNvGrpSpPr/>
+        <p:nvPr/>
+      </p:nvGrpSpPr>
+      <p:grpSpPr>
+        <a:xfrm>
+          <a:off x="0" y="0"/>
+          <a:ext cx="0" cy="0"/>
+          <a:chOff x="0" y="0"/>
+          <a:chExt cx="0" cy="0"/>
+        </a:xfrm>
+      </p:grpSpPr>
+      <p:sp>
+        <p:nvSpPr>
+          <p:cNvPr id="5" name="Title 4"/>
+          <p:cNvSpPr>
+            <a:spLocks noGrp="1"/>
+          </p:cNvSpPr>
+          <p:nvPr>
+            <p:ph type="title"/>
+          </p:nvPr>
+        </p:nvSpPr>
+        <p:spPr/>
+        <p:txBody>
+          <a:bodyPr/>
+          <a:lstStyle/>
+          <a:p>
+            <a:r>
+              <a:rPr lang="en-US" dirty="0"/>
+              <a:t>Conclusion and Future Work</a:t>
+            </a:r>
+          </a:p>
+        </p:txBody>
+      </p:sp>
+      <p:sp>
+        <p:nvSpPr>
+          <p:cNvPr id="6" name="Text Placeholder 5"/>
+          <p:cNvSpPr>
+            <a:spLocks noGrp="1"/>
+          </p:cNvSpPr>
+          <p:nvPr>
+            <p:ph type="body" sz="quarter" idx="16"/>
+          </p:nvPr>
+        </p:nvSpPr>
+        <p:spPr/>
+        <p:txBody>
+          <a:bodyPr/>
+          <a:lstStyle/>
+          <a:p>
+            <a:endParaRPr lang="en-US"/>
+          </a:p>
+        </p:txBody>
+      </p:sp>
+    </p:spTree>
+    <p:extLst>
+      <p:ext uri="{BB962C8B-B14F-4D97-AF65-F5344CB8AC3E}">
+        <p14:creationId xmlns:p14="http://schemas.microsoft.com/office/powerpoint/2010/main" val="992756146"/>
+      </p:ext>
+    </p:extLst>
+  </p:cSld>
+  <p:clrMapOvr>
+    <a:masterClrMapping/>
+  </p:clrMapOvr>
+</p:sld>
+</file>
+
 <file path=ppt/slides/slide37.xml><?xml version="1.0" encoding="utf-8"?>
 <p:sld xmlns:a="http://schemas.openxmlformats.org/drawingml/2006/main" xmlns:r="http://schemas.openxmlformats.org/officeDocument/2006/relationships" xmlns:p="http://schemas.openxmlformats.org/presentationml/2006/main">
   <p:cSld>
@@ -12382,7 +12557,7 @@
       </p:grpSpPr>
       <p:sp>
         <p:nvSpPr>
-          <p:cNvPr id="5" name="Title 4"/>
+          <p:cNvPr id="4" name="Title 3"/>
           <p:cNvSpPr>
             <a:spLocks noGrp="1"/>
           </p:cNvSpPr>
@@ -12397,7 +12572,7 @@
           <a:p>
             <a:r>
               <a:rPr lang="en-US" dirty="0"/>
-              <a:t>Conclusion and Future Work</a:t>
+              <a:t>Conclusion</a:t>
             </a:r>
           </a:p>
         </p:txBody>
@@ -12409,7 +12584,7 @@
             <a:spLocks noGrp="1"/>
           </p:cNvSpPr>
           <p:nvPr>
-            <p:ph type="body" sz="quarter" idx="16"/>
+            <p:ph type="body" idx="1"/>
           </p:nvPr>
         </p:nvSpPr>
         <p:spPr/>
@@ -12417,14 +12592,131 @@
           <a:bodyPr/>
           <a:lstStyle/>
           <a:p>
-            <a:endParaRPr lang="en-US"/>
+            <a:r>
+              <a:rPr lang="en-US" altLang="zh-CN" sz="2800" dirty="0"/>
+              <a:t>Small Dataset</a:t>
+            </a:r>
+            <a:endParaRPr lang="en-US" sz="2800" dirty="0"/>
+          </a:p>
+        </p:txBody>
+      </p:sp>
+      <p:sp>
+        <p:nvSpPr>
+          <p:cNvPr id="5" name="Content Placeholder 4"/>
+          <p:cNvSpPr>
+            <a:spLocks noGrp="1"/>
+          </p:cNvSpPr>
+          <p:nvPr>
+            <p:ph sz="half" idx="2"/>
+          </p:nvPr>
+        </p:nvSpPr>
+        <p:spPr/>
+        <p:txBody>
+          <a:bodyPr/>
+          <a:lstStyle/>
+          <a:p>
+            <a:endParaRPr lang="en-US" dirty="0"/>
+          </a:p>
+          <a:p>
+            <a:r>
+              <a:rPr lang="en-US" dirty="0"/>
+              <a:t>Successful on dataset preprocessing and ANN building </a:t>
+            </a:r>
+          </a:p>
+          <a:p>
+            <a:r>
+              <a:rPr lang="en-US" dirty="0"/>
+              <a:t>Got a better prediction accuracy than the original KDD competition</a:t>
+            </a:r>
+          </a:p>
+        </p:txBody>
+      </p:sp>
+      <p:sp>
+        <p:nvSpPr>
+          <p:cNvPr id="7" name="Text Placeholder 6"/>
+          <p:cNvSpPr>
+            <a:spLocks noGrp="1"/>
+          </p:cNvSpPr>
+          <p:nvPr>
+            <p:ph type="body" sz="quarter" idx="3"/>
+          </p:nvPr>
+        </p:nvSpPr>
+        <p:spPr/>
+        <p:txBody>
+          <a:bodyPr/>
+          <a:lstStyle/>
+          <a:p>
+            <a:r>
+              <a:rPr lang="en-US" sz="2800" dirty="0"/>
+              <a:t>Large Dataset</a:t>
+            </a:r>
+          </a:p>
+        </p:txBody>
+      </p:sp>
+      <p:sp>
+        <p:nvSpPr>
+          <p:cNvPr id="8" name="Content Placeholder 7"/>
+          <p:cNvSpPr>
+            <a:spLocks noGrp="1"/>
+          </p:cNvSpPr>
+          <p:nvPr>
+            <p:ph sz="quarter" idx="4"/>
+          </p:nvPr>
+        </p:nvSpPr>
+        <p:spPr/>
+        <p:txBody>
+          <a:bodyPr/>
+          <a:lstStyle/>
+          <a:p>
+            <a:endParaRPr lang="en-US" dirty="0"/>
+          </a:p>
+          <a:p>
+            <a:r>
+              <a:rPr lang="en-US" dirty="0"/>
+              <a:t>Although we did not completely process the dataset on our local machine and finish our work on a real cluster due to the tight time</a:t>
+            </a:r>
+          </a:p>
+          <a:p>
+            <a:r>
+              <a:rPr lang="en-US" dirty="0"/>
+              <a:t>We did finish the process for one chunk, which is 1/5 of the whole dataset, and our methodologies in both data processing and machine learning are working.</a:t>
+            </a:r>
+          </a:p>
+        </p:txBody>
+      </p:sp>
+      <p:sp>
+        <p:nvSpPr>
+          <p:cNvPr id="9" name="TextBox 8"/>
+          <p:cNvSpPr txBox="1"/>
+          <p:nvPr/>
+        </p:nvSpPr>
+        <p:spPr>
+          <a:xfrm>
+            <a:off x="810000" y="5999747"/>
+            <a:ext cx="10026316" cy="369332"/>
+          </a:xfrm>
+          <a:prstGeom prst="rect">
+            <a:avLst/>
+          </a:prstGeom>
+          <a:noFill/>
+        </p:spPr>
+        <p:txBody>
+          <a:bodyPr wrap="square" rtlCol="0">
+            <a:spAutoFit/>
+          </a:bodyPr>
+          <a:lstStyle/>
+          <a:p>
+            <a:r>
+              <a:rPr lang="en-US" dirty="0"/>
+              <a:t>The accuracy for positive example prediction is generally bad for both size of dataset. </a:t>
+            </a:r>
           </a:p>
         </p:txBody>
       </p:sp>
     </p:spTree>
     <p:extLst>
       <p:ext uri="{BB962C8B-B14F-4D97-AF65-F5344CB8AC3E}">
-        <p14:creationId xmlns:p14="http://schemas.microsoft.com/office/powerpoint/2010/main" val="992756146"/>
+        <p14:creationId xmlns:p14="http://schemas.microsoft.com/office/powerpoint/2010/main" val="2964663097"/>
       </p:ext>
     </p:extLst>
   </p:cSld>
@@ -12453,7 +12745,7 @@
       </p:grpSpPr>
       <p:sp>
         <p:nvSpPr>
-          <p:cNvPr id="4" name="Title 3"/>
+          <p:cNvPr id="7" name="Title 6"/>
           <p:cNvSpPr>
             <a:spLocks noGrp="1"/>
           </p:cNvSpPr>
@@ -12468,19 +12760,19 @@
           <a:p>
             <a:r>
               <a:rPr lang="en-US" dirty="0"/>
-              <a:t>Conclusion</a:t>
-            </a:r>
-          </a:p>
-        </p:txBody>
-      </p:sp>
-      <p:sp>
-        <p:nvSpPr>
-          <p:cNvPr id="6" name="Text Placeholder 5"/>
-          <p:cNvSpPr>
-            <a:spLocks noGrp="1"/>
-          </p:cNvSpPr>
-          <p:nvPr>
-            <p:ph type="body" idx="1"/>
+              <a:t>Future Work</a:t>
+            </a:r>
+          </a:p>
+        </p:txBody>
+      </p:sp>
+      <p:sp>
+        <p:nvSpPr>
+          <p:cNvPr id="8" name="Content Placeholder 7"/>
+          <p:cNvSpPr>
+            <a:spLocks noGrp="1"/>
+          </p:cNvSpPr>
+          <p:nvPr>
+            <p:ph idx="1"/>
           </p:nvPr>
         </p:nvSpPr>
         <p:spPr/>
@@ -12488,134 +12780,39 @@
           <a:bodyPr/>
           <a:lstStyle/>
           <a:p>
-            <a:r>
-              <a:rPr lang="en-US" altLang="zh-CN" sz="2800" dirty="0"/>
-              <a:t>Small Dataset</a:t>
-            </a:r>
-            <a:endParaRPr lang="en-US" sz="2800" dirty="0"/>
-          </a:p>
-        </p:txBody>
-      </p:sp>
-      <p:sp>
-        <p:nvSpPr>
-          <p:cNvPr id="5" name="Content Placeholder 4"/>
-          <p:cNvSpPr>
-            <a:spLocks noGrp="1"/>
-          </p:cNvSpPr>
-          <p:nvPr>
-            <p:ph sz="half" idx="2"/>
-          </p:nvPr>
-        </p:nvSpPr>
-        <p:spPr/>
-        <p:txBody>
-          <a:bodyPr/>
-          <a:lstStyle/>
-          <a:p>
-            <a:endParaRPr lang="en-US" dirty="0"/>
-          </a:p>
-          <a:p>
+            <a:pPr lvl="0"/>
             <a:r>
               <a:rPr lang="en-US" dirty="0"/>
-              <a:t>Successful on dataset preprocessing and ANN building </a:t>
-            </a:r>
-          </a:p>
-          <a:p>
+              <a:t>Run data preprocessing on a real cluster.</a:t>
+            </a:r>
+          </a:p>
+          <a:p>
+            <a:pPr lvl="0"/>
             <a:r>
               <a:rPr lang="en-US" dirty="0"/>
-              <a:t>Got a better prediction accuracy than the original KDD competition</a:t>
-            </a:r>
-            <a:endParaRPr lang="en-US" dirty="0"/>
-          </a:p>
-        </p:txBody>
-      </p:sp>
-      <p:sp>
-        <p:nvSpPr>
-          <p:cNvPr id="7" name="Text Placeholder 6"/>
-          <p:cNvSpPr>
-            <a:spLocks noGrp="1"/>
-          </p:cNvSpPr>
-          <p:nvPr>
-            <p:ph type="body" sz="quarter" idx="3"/>
-          </p:nvPr>
-        </p:nvSpPr>
-        <p:spPr/>
-        <p:txBody>
-          <a:bodyPr/>
-          <a:lstStyle/>
-          <a:p>
-            <a:r>
-              <a:rPr lang="en-US" sz="2800" dirty="0"/>
-              <a:t>Large Dataset</a:t>
-            </a:r>
-          </a:p>
-        </p:txBody>
-      </p:sp>
-      <p:sp>
-        <p:nvSpPr>
-          <p:cNvPr id="8" name="Content Placeholder 7"/>
-          <p:cNvSpPr>
-            <a:spLocks noGrp="1"/>
-          </p:cNvSpPr>
-          <p:nvPr>
-            <p:ph sz="quarter" idx="4"/>
-          </p:nvPr>
-        </p:nvSpPr>
-        <p:spPr/>
-        <p:txBody>
-          <a:bodyPr/>
-          <a:lstStyle/>
-          <a:p>
-            <a:endParaRPr lang="en-US" dirty="0"/>
-          </a:p>
-          <a:p>
+              <a:t>Try to improve ANN training process with big data methodologies.</a:t>
+            </a:r>
+          </a:p>
+          <a:p>
+            <a:pPr lvl="0"/>
             <a:r>
               <a:rPr lang="en-US" dirty="0"/>
-              <a:t>Although we did not completely process the dataset on our local machine and finish our work on a real cluster due to the tight time</a:t>
-            </a:r>
-          </a:p>
-          <a:p>
+              <a:t>Add model selection for ANN and fine tune its parameters.</a:t>
+            </a:r>
+          </a:p>
+          <a:p>
+            <a:pPr lvl="0"/>
             <a:r>
               <a:rPr lang="en-US" dirty="0"/>
-              <a:t>We did finish the process for one chunk, which is 1/5 of the whole dataset, and our methodologies in both data processing and machine learning are working.</a:t>
-            </a:r>
-            <a:endParaRPr lang="en-US" dirty="0"/>
-          </a:p>
-        </p:txBody>
-      </p:sp>
-      <p:sp>
-        <p:nvSpPr>
-          <p:cNvPr id="9" name="TextBox 8"/>
-          <p:cNvSpPr txBox="1"/>
-          <p:nvPr/>
-        </p:nvSpPr>
-        <p:spPr>
-          <a:xfrm>
-            <a:off x="810000" y="5999747"/>
-            <a:ext cx="10026316" cy="369332"/>
-          </a:xfrm>
-          <a:prstGeom prst="rect">
-            <a:avLst/>
-          </a:prstGeom>
-          <a:noFill/>
-        </p:spPr>
-        <p:txBody>
-          <a:bodyPr wrap="square" rtlCol="0">
-            <a:spAutoFit/>
-          </a:bodyPr>
-          <a:lstStyle/>
-          <a:p>
-            <a:r>
-              <a:rPr lang="en-US" dirty="0"/>
-              <a:t>The accuracy for positive example prediction is generally bad for both size of dataset. </a:t>
-            </a:r>
-            <a:endParaRPr lang="en-US" dirty="0"/>
+              <a:t>More in-depth analysis on positive example prediction accuracy.</a:t>
+            </a:r>
           </a:p>
         </p:txBody>
       </p:sp>
     </p:spTree>
     <p:extLst>
       <p:ext uri="{BB962C8B-B14F-4D97-AF65-F5344CB8AC3E}">
-        <p14:creationId xmlns:p14="http://schemas.microsoft.com/office/powerpoint/2010/main" val="2964663097"/>
+        <p14:creationId xmlns:p14="http://schemas.microsoft.com/office/powerpoint/2010/main" val="1449878137"/>
       </p:ext>
     </p:extLst>
   </p:cSld>
@@ -12644,7 +12841,7 @@
       </p:grpSpPr>
       <p:sp>
         <p:nvSpPr>
-          <p:cNvPr id="7" name="Title 6"/>
+          <p:cNvPr id="2" name="Title 1"/>
           <p:cNvSpPr>
             <a:spLocks noGrp="1"/>
           </p:cNvSpPr>
@@ -12659,19 +12856,19 @@
           <a:p>
             <a:r>
               <a:rPr lang="en-US" dirty="0"/>
-              <a:t>Future Work</a:t>
-            </a:r>
-          </a:p>
-        </p:txBody>
-      </p:sp>
-      <p:sp>
-        <p:nvSpPr>
-          <p:cNvPr id="8" name="Content Placeholder 7"/>
-          <p:cNvSpPr>
-            <a:spLocks noGrp="1"/>
-          </p:cNvSpPr>
-          <p:nvPr>
-            <p:ph idx="1"/>
+              <a:t>Thank you for your patience</a:t>
+            </a:r>
+          </a:p>
+        </p:txBody>
+      </p:sp>
+      <p:sp>
+        <p:nvSpPr>
+          <p:cNvPr id="3" name="Text Placeholder 2"/>
+          <p:cNvSpPr>
+            <a:spLocks noGrp="1"/>
+          </p:cNvSpPr>
+          <p:nvPr>
+            <p:ph type="body" sz="quarter" idx="16"/>
           </p:nvPr>
         </p:nvSpPr>
         <p:spPr/>
@@ -12679,39 +12876,14 @@
           <a:bodyPr/>
           <a:lstStyle/>
           <a:p>
-            <a:pPr lvl="0"/>
-            <a:r>
-              <a:rPr lang="en-US" dirty="0"/>
-              <a:t>Run data preprocessing on a real cluster.</a:t>
-            </a:r>
-          </a:p>
-          <a:p>
-            <a:pPr lvl="0"/>
-            <a:r>
-              <a:rPr lang="en-US" dirty="0"/>
-              <a:t>Try to improve ANN training process with big data methodologies.</a:t>
-            </a:r>
-          </a:p>
-          <a:p>
-            <a:pPr lvl="0"/>
-            <a:r>
-              <a:rPr lang="en-US" dirty="0"/>
-              <a:t>Add model selection for ANN and fine tune its parameters.</a:t>
-            </a:r>
-          </a:p>
-          <a:p>
-            <a:pPr lvl="0"/>
-            <a:r>
-              <a:rPr lang="en-US" dirty="0"/>
-              <a:t>More in-depth analysis on positive example prediction accuracy.</a:t>
-            </a:r>
+            <a:endParaRPr lang="en-US"/>
           </a:p>
         </p:txBody>
       </p:sp>
     </p:spTree>
     <p:extLst>
       <p:ext uri="{BB962C8B-B14F-4D97-AF65-F5344CB8AC3E}">
-        <p14:creationId xmlns:p14="http://schemas.microsoft.com/office/powerpoint/2010/main" val="1449878137"/>
+        <p14:creationId xmlns:p14="http://schemas.microsoft.com/office/powerpoint/2010/main" val="851327675"/>
       </p:ext>
     </p:extLst>
   </p:cSld>
@@ -12755,11 +12927,7 @@
           <a:p>
             <a:r>
               <a:rPr lang="en-US" dirty="0"/>
-              <a:t>What we could predict from CR data</a:t>
-            </a:r>
-            <a:r>
-              <a:rPr lang="en-US" dirty="0"/>
-              <a:t>…</a:t>
+              <a:t>What we could predict from CR data…</a:t>
             </a:r>
           </a:p>
         </p:txBody>
@@ -12822,7 +12990,6 @@
               <a:rPr lang="en-US" sz="2400" dirty="0"/>
               <a:t>Let’s analyze churn (switch provider)  </a:t>
             </a:r>
-            <a:endParaRPr lang="en-US" sz="2400" dirty="0"/>
           </a:p>
         </p:txBody>
       </p:sp>
@@ -12830,77 +12997,6 @@
     <p:extLst>
       <p:ext uri="{BB962C8B-B14F-4D97-AF65-F5344CB8AC3E}">
         <p14:creationId xmlns:p14="http://schemas.microsoft.com/office/powerpoint/2010/main" val="1840787978"/>
-      </p:ext>
-    </p:extLst>
-  </p:cSld>
-  <p:clrMapOvr>
-    <a:masterClrMapping/>
-  </p:clrMapOvr>
-</p:sld>
-</file>
-
-<file path=ppt/slides/slide40.xml><?xml version="1.0" encoding="utf-8"?>
-<p:sld xmlns:a="http://schemas.openxmlformats.org/drawingml/2006/main" xmlns:r="http://schemas.openxmlformats.org/officeDocument/2006/relationships" xmlns:p="http://schemas.openxmlformats.org/presentationml/2006/main">
-  <p:cSld>
-    <p:spTree>
-      <p:nvGrpSpPr>
-        <p:cNvPr id="1" name=""/>
-        <p:cNvGrpSpPr/>
-        <p:nvPr/>
-      </p:nvGrpSpPr>
-      <p:grpSpPr>
-        <a:xfrm>
-          <a:off x="0" y="0"/>
-          <a:ext cx="0" cy="0"/>
-          <a:chOff x="0" y="0"/>
-          <a:chExt cx="0" cy="0"/>
-        </a:xfrm>
-      </p:grpSpPr>
-      <p:sp>
-        <p:nvSpPr>
-          <p:cNvPr id="2" name="Title 1"/>
-          <p:cNvSpPr>
-            <a:spLocks noGrp="1"/>
-          </p:cNvSpPr>
-          <p:nvPr>
-            <p:ph type="title"/>
-          </p:nvPr>
-        </p:nvSpPr>
-        <p:spPr/>
-        <p:txBody>
-          <a:bodyPr/>
-          <a:lstStyle/>
-          <a:p>
-            <a:r>
-              <a:rPr lang="en-US" dirty="0"/>
-              <a:t>Thank you for your patience</a:t>
-            </a:r>
-          </a:p>
-        </p:txBody>
-      </p:sp>
-      <p:sp>
-        <p:nvSpPr>
-          <p:cNvPr id="3" name="Text Placeholder 2"/>
-          <p:cNvSpPr>
-            <a:spLocks noGrp="1"/>
-          </p:cNvSpPr>
-          <p:nvPr>
-            <p:ph type="body" sz="quarter" idx="16"/>
-          </p:nvPr>
-        </p:nvSpPr>
-        <p:spPr/>
-        <p:txBody>
-          <a:bodyPr/>
-          <a:lstStyle/>
-          <a:p>
-            <a:endParaRPr lang="en-US"/>
-          </a:p>
-        </p:txBody>
-      </p:sp>
-    </p:spTree>
-    <p:extLst>
-      <p:ext uri="{BB962C8B-B14F-4D97-AF65-F5344CB8AC3E}">
-        <p14:creationId xmlns:p14="http://schemas.microsoft.com/office/powerpoint/2010/main" val="851327675"/>
       </p:ext>
     </p:extLst>
   </p:cSld>
@@ -13055,13 +13151,8 @@
           <a:p>
             <a:r>
               <a:rPr lang="en-US" dirty="0"/>
-              <a:t>The data were </a:t>
-            </a:r>
-            <a:r>
-              <a:rPr lang="en-US" dirty="0"/>
-              <a:t>anonymized by replacing actual text or labels by meaningless codes and not revealing the meaning of the variables, to protect the privacy of the customers whose records were used</a:t>
-            </a:r>
-            <a:endParaRPr lang="en-US" dirty="0"/>
+              <a:t>The data were anonymized by replacing actual text or labels by meaningless codes and not revealing the meaning of the variables, to protect the privacy of the customers whose records were used</a:t>
+            </a:r>
           </a:p>
         </p:txBody>
       </p:sp>
